--- a/documents/projectmanagement/3_Planung/Statistik_Diagramme.pptx
+++ b/documents/projectmanagement/3_Planung/Statistik_Diagramme.pptx
@@ -12,11 +12,11 @@
     <p:sldId id="265" r:id="rId6"/>
     <p:sldId id="260" r:id="rId7"/>
     <p:sldId id="268" r:id="rId8"/>
-    <p:sldId id="269" r:id="rId9"/>
-    <p:sldId id="266" r:id="rId10"/>
-    <p:sldId id="259" r:id="rId11"/>
-    <p:sldId id="261" r:id="rId12"/>
-    <p:sldId id="267" r:id="rId13"/>
+    <p:sldId id="270" r:id="rId9"/>
+    <p:sldId id="271" r:id="rId10"/>
+    <p:sldId id="266" r:id="rId11"/>
+    <p:sldId id="267" r:id="rId12"/>
+    <p:sldId id="272" r:id="rId13"/>
   </p:sldIdLst>
   <p:sldSz cx="12192000" cy="6858000"/>
   <p:notesSz cx="6858000" cy="9144000"/>
@@ -115,6 +115,11 @@
       </a:defRPr>
     </a:lvl9pPr>
   </p:defaultTextStyle>
+  <p:extLst>
+    <p:ext uri="{EFAFB233-063F-42B5-8137-9DF3F51BA10A}">
+      <p15:sldGuideLst xmlns:p15="http://schemas.microsoft.com/office/powerpoint/2012/main"/>
+    </p:ext>
+  </p:extLst>
 </p:presentation>
 </file>
 
@@ -379,9 +384,7 @@
               </c:spPr>
             </c:leaderLines>
             <c:extLst>
-              <c:ext xmlns:c15="http://schemas.microsoft.com/office/drawing/2012/chart" uri="{CE6537A1-D6FC-4f65-9D91-7224C49458BB}">
-                <c15:layout/>
-              </c:ext>
+              <c:ext xmlns:c15="http://schemas.microsoft.com/office/drawing/2012/chart" uri="{CE6537A1-D6FC-4f65-9D91-7224C49458BB}"/>
             </c:extLst>
           </c:dLbls>
           <c:cat>
@@ -869,9 +872,7 @@
               </c:spPr>
             </c:leaderLines>
             <c:extLst>
-              <c:ext xmlns:c15="http://schemas.microsoft.com/office/drawing/2012/chart" uri="{CE6537A1-D6FC-4f65-9D91-7224C49458BB}">
-                <c15:layout/>
-              </c:ext>
+              <c:ext xmlns:c15="http://schemas.microsoft.com/office/drawing/2012/chart" uri="{CE6537A1-D6FC-4f65-9D91-7224C49458BB}"/>
             </c:extLst>
           </c:dLbls>
           <c:cat>
@@ -1261,9 +1262,7 @@
               </c:spPr>
             </c:leaderLines>
             <c:extLst>
-              <c:ext xmlns:c15="http://schemas.microsoft.com/office/drawing/2012/chart" uri="{CE6537A1-D6FC-4f65-9D91-7224C49458BB}">
-                <c15:layout/>
-              </c:ext>
+              <c:ext xmlns:c15="http://schemas.microsoft.com/office/drawing/2012/chart" uri="{CE6537A1-D6FC-4f65-9D91-7224C49458BB}"/>
             </c:extLst>
           </c:dLbls>
           <c:cat>
@@ -1418,212 +1417,382 @@
             <c:idx val="0"/>
             <c:bubble3D val="0"/>
             <c:spPr>
-              <a:gradFill rotWithShape="1">
-                <a:gsLst>
-                  <a:gs pos="0">
-                    <a:schemeClr val="accent1">
-                      <a:satMod val="103000"/>
-                      <a:lumMod val="102000"/>
-                      <a:tint val="94000"/>
-                    </a:schemeClr>
-                  </a:gs>
-                  <a:gs pos="50000">
-                    <a:schemeClr val="accent1">
-                      <a:satMod val="110000"/>
-                      <a:lumMod val="100000"/>
-                      <a:shade val="100000"/>
-                    </a:schemeClr>
-                  </a:gs>
-                  <a:gs pos="100000">
-                    <a:schemeClr val="accent1">
-                      <a:lumMod val="99000"/>
-                      <a:satMod val="120000"/>
-                      <a:shade val="78000"/>
-                    </a:schemeClr>
-                  </a:gs>
-                </a:gsLst>
-                <a:lin ang="5400000" scaled="0"/>
-              </a:gradFill>
+              <a:solidFill>
+                <a:schemeClr val="accent1"/>
+              </a:solidFill>
               <a:ln>
                 <a:noFill/>
               </a:ln>
-              <a:effectLst>
-                <a:outerShdw blurRad="57150" dist="19050" dir="5400000" algn="ctr" rotWithShape="0">
-                  <a:srgbClr val="000000">
-                    <a:alpha val="63000"/>
-                  </a:srgbClr>
-                </a:outerShdw>
-              </a:effectLst>
+              <a:effectLst/>
+              <a:scene3d>
+                <a:camera prst="orthographicFront"/>
+                <a:lightRig rig="brightRoom" dir="t"/>
+              </a:scene3d>
+              <a:sp3d prstMaterial="flat">
+                <a:bevelT w="50800" h="101600" prst="angle"/>
+                <a:contourClr>
+                  <a:srgbClr val="000000"/>
+                </a:contourClr>
+              </a:sp3d>
             </c:spPr>
           </c:dPt>
           <c:dPt>
             <c:idx val="1"/>
             <c:bubble3D val="0"/>
             <c:spPr>
-              <a:gradFill rotWithShape="1">
-                <a:gsLst>
-                  <a:gs pos="0">
-                    <a:schemeClr val="accent2">
-                      <a:satMod val="103000"/>
-                      <a:lumMod val="102000"/>
-                      <a:tint val="94000"/>
-                    </a:schemeClr>
-                  </a:gs>
-                  <a:gs pos="50000">
-                    <a:schemeClr val="accent2">
-                      <a:satMod val="110000"/>
-                      <a:lumMod val="100000"/>
-                      <a:shade val="100000"/>
-                    </a:schemeClr>
-                  </a:gs>
-                  <a:gs pos="100000">
-                    <a:schemeClr val="accent2">
-                      <a:lumMod val="99000"/>
-                      <a:satMod val="120000"/>
-                      <a:shade val="78000"/>
-                    </a:schemeClr>
-                  </a:gs>
-                </a:gsLst>
-                <a:lin ang="5400000" scaled="0"/>
-              </a:gradFill>
+              <a:solidFill>
+                <a:schemeClr val="accent2"/>
+              </a:solidFill>
               <a:ln>
                 <a:noFill/>
               </a:ln>
-              <a:effectLst>
-                <a:outerShdw blurRad="57150" dist="19050" dir="5400000" algn="ctr" rotWithShape="0">
-                  <a:srgbClr val="000000">
-                    <a:alpha val="63000"/>
-                  </a:srgbClr>
-                </a:outerShdw>
-              </a:effectLst>
+              <a:effectLst/>
+              <a:scene3d>
+                <a:camera prst="orthographicFront"/>
+                <a:lightRig rig="brightRoom" dir="t"/>
+              </a:scene3d>
+              <a:sp3d prstMaterial="flat">
+                <a:bevelT w="50800" h="101600" prst="angle"/>
+                <a:contourClr>
+                  <a:srgbClr val="000000"/>
+                </a:contourClr>
+              </a:sp3d>
             </c:spPr>
           </c:dPt>
           <c:dPt>
             <c:idx val="2"/>
             <c:bubble3D val="0"/>
             <c:spPr>
-              <a:gradFill rotWithShape="1">
-                <a:gsLst>
-                  <a:gs pos="0">
-                    <a:schemeClr val="accent3">
-                      <a:satMod val="103000"/>
-                      <a:lumMod val="102000"/>
-                      <a:tint val="94000"/>
-                    </a:schemeClr>
-                  </a:gs>
-                  <a:gs pos="50000">
-                    <a:schemeClr val="accent3">
-                      <a:satMod val="110000"/>
-                      <a:lumMod val="100000"/>
-                      <a:shade val="100000"/>
-                    </a:schemeClr>
-                  </a:gs>
-                  <a:gs pos="100000">
-                    <a:schemeClr val="accent3">
-                      <a:lumMod val="99000"/>
-                      <a:satMod val="120000"/>
-                      <a:shade val="78000"/>
-                    </a:schemeClr>
-                  </a:gs>
-                </a:gsLst>
-                <a:lin ang="5400000" scaled="0"/>
-              </a:gradFill>
+              <a:solidFill>
+                <a:schemeClr val="accent3"/>
+              </a:solidFill>
               <a:ln>
                 <a:noFill/>
               </a:ln>
-              <a:effectLst>
-                <a:outerShdw blurRad="57150" dist="19050" dir="5400000" algn="ctr" rotWithShape="0">
-                  <a:srgbClr val="000000">
-                    <a:alpha val="63000"/>
-                  </a:srgbClr>
-                </a:outerShdw>
-              </a:effectLst>
+              <a:effectLst/>
+              <a:scene3d>
+                <a:camera prst="orthographicFront"/>
+                <a:lightRig rig="brightRoom" dir="t"/>
+              </a:scene3d>
+              <a:sp3d prstMaterial="flat">
+                <a:bevelT w="50800" h="101600" prst="angle"/>
+                <a:contourClr>
+                  <a:srgbClr val="000000"/>
+                </a:contourClr>
+              </a:sp3d>
             </c:spPr>
           </c:dPt>
           <c:dPt>
             <c:idx val="3"/>
             <c:bubble3D val="0"/>
             <c:spPr>
-              <a:gradFill rotWithShape="1">
-                <a:gsLst>
-                  <a:gs pos="0">
-                    <a:schemeClr val="accent4">
-                      <a:satMod val="103000"/>
-                      <a:lumMod val="102000"/>
-                      <a:tint val="94000"/>
-                    </a:schemeClr>
-                  </a:gs>
-                  <a:gs pos="50000">
-                    <a:schemeClr val="accent4">
-                      <a:satMod val="110000"/>
-                      <a:lumMod val="100000"/>
-                      <a:shade val="100000"/>
-                    </a:schemeClr>
-                  </a:gs>
-                  <a:gs pos="100000">
-                    <a:schemeClr val="accent4">
-                      <a:lumMod val="99000"/>
-                      <a:satMod val="120000"/>
-                      <a:shade val="78000"/>
-                    </a:schemeClr>
-                  </a:gs>
-                </a:gsLst>
-                <a:lin ang="5400000" scaled="0"/>
-              </a:gradFill>
+              <a:solidFill>
+                <a:schemeClr val="accent4"/>
+              </a:solidFill>
               <a:ln>
                 <a:noFill/>
               </a:ln>
-              <a:effectLst>
-                <a:outerShdw blurRad="57150" dist="19050" dir="5400000" algn="ctr" rotWithShape="0">
-                  <a:srgbClr val="000000">
-                    <a:alpha val="63000"/>
-                  </a:srgbClr>
-                </a:outerShdw>
-              </a:effectLst>
+              <a:effectLst/>
+              <a:scene3d>
+                <a:camera prst="orthographicFront"/>
+                <a:lightRig rig="brightRoom" dir="t"/>
+              </a:scene3d>
+              <a:sp3d prstMaterial="flat">
+                <a:bevelT w="50800" h="101600" prst="angle"/>
+                <a:contourClr>
+                  <a:srgbClr val="000000"/>
+                </a:contourClr>
+              </a:sp3d>
             </c:spPr>
           </c:dPt>
           <c:dPt>
             <c:idx val="4"/>
             <c:bubble3D val="0"/>
             <c:spPr>
-              <a:gradFill rotWithShape="1">
-                <a:gsLst>
-                  <a:gs pos="0">
-                    <a:schemeClr val="accent5">
-                      <a:satMod val="103000"/>
-                      <a:lumMod val="102000"/>
-                      <a:tint val="94000"/>
-                    </a:schemeClr>
-                  </a:gs>
-                  <a:gs pos="50000">
-                    <a:schemeClr val="accent5">
-                      <a:satMod val="110000"/>
-                      <a:lumMod val="100000"/>
-                      <a:shade val="100000"/>
-                    </a:schemeClr>
-                  </a:gs>
-                  <a:gs pos="100000">
-                    <a:schemeClr val="accent5">
-                      <a:lumMod val="99000"/>
-                      <a:satMod val="120000"/>
-                      <a:shade val="78000"/>
-                    </a:schemeClr>
-                  </a:gs>
-                </a:gsLst>
-                <a:lin ang="5400000" scaled="0"/>
-              </a:gradFill>
+              <a:solidFill>
+                <a:schemeClr val="accent5"/>
+              </a:solidFill>
               <a:ln>
                 <a:noFill/>
               </a:ln>
-              <a:effectLst>
-                <a:outerShdw blurRad="57150" dist="19050" dir="5400000" algn="ctr" rotWithShape="0">
-                  <a:srgbClr val="000000">
-                    <a:alpha val="63000"/>
-                  </a:srgbClr>
-                </a:outerShdw>
-              </a:effectLst>
+              <a:effectLst/>
+              <a:scene3d>
+                <a:camera prst="orthographicFront"/>
+                <a:lightRig rig="brightRoom" dir="t"/>
+              </a:scene3d>
+              <a:sp3d prstMaterial="flat">
+                <a:bevelT w="50800" h="101600" prst="angle"/>
+                <a:contourClr>
+                  <a:srgbClr val="000000"/>
+                </a:contourClr>
+              </a:sp3d>
             </c:spPr>
           </c:dPt>
+          <c:dLbls>
+            <c:dLbl>
+              <c:idx val="0"/>
+              <c:layout/>
+              <c:tx>
+                <c:rich>
+                  <a:bodyPr/>
+                  <a:lstStyle/>
+                  <a:p>
+                    <a:fld id="{79348D75-F0DD-4606-955E-2C4F15EAC9AD}" type="CATEGORYNAME">
+                      <a:rPr lang="en-US"/>
+                      <a:pPr/>
+                      <a:t>[RUBRIKENNAME]</a:t>
+                    </a:fld>
+                    <a:r>
+                      <a:rPr lang="en-US" baseline="0" dirty="0"/>
+                      <a:t>
+</a:t>
+                    </a:r>
+                    <a:fld id="{E1BFC51B-E5FB-4329-8A32-78FF83F011B7}" type="VALUE">
+                      <a:rPr lang="en-US" baseline="0" smtClean="0"/>
+                      <a:pPr/>
+                      <a:t>[WERT]</a:t>
+                    </a:fld>
+                    <a:endParaRPr lang="en-US" baseline="0" dirty="0"/>
+                  </a:p>
+                </c:rich>
+              </c:tx>
+              <c:dLblPos val="inEnd"/>
+              <c:showLegendKey val="0"/>
+              <c:showVal val="0"/>
+              <c:showCatName val="1"/>
+              <c:showSerName val="0"/>
+              <c:showPercent val="1"/>
+              <c:showBubbleSize val="0"/>
+              <c:extLst>
+                <c:ext xmlns:c15="http://schemas.microsoft.com/office/drawing/2012/chart" uri="{CE6537A1-D6FC-4f65-9D91-7224C49458BB}">
+                  <c15:layout/>
+                  <c15:dlblFieldTable/>
+                  <c15:showDataLabelsRange val="0"/>
+                </c:ext>
+              </c:extLst>
+            </c:dLbl>
+            <c:dLbl>
+              <c:idx val="1"/>
+              <c:layout/>
+              <c:tx>
+                <c:rich>
+                  <a:bodyPr/>
+                  <a:lstStyle/>
+                  <a:p>
+                    <a:fld id="{32928C05-2B77-460F-885E-3524E897461F}" type="CATEGORYNAME">
+                      <a:rPr lang="en-US"/>
+                      <a:pPr/>
+                      <a:t>[RUBRIKENNAME]</a:t>
+                    </a:fld>
+                    <a:r>
+                      <a:rPr lang="en-US" baseline="0" dirty="0"/>
+                      <a:t>
+</a:t>
+                    </a:r>
+                    <a:fld id="{924B9546-81A6-4329-BE0A-98344EFD6409}" type="VALUE">
+                      <a:rPr lang="en-US" baseline="0" smtClean="0"/>
+                      <a:pPr/>
+                      <a:t>[WERT]</a:t>
+                    </a:fld>
+                    <a:endParaRPr lang="en-US" baseline="0" dirty="0"/>
+                  </a:p>
+                </c:rich>
+              </c:tx>
+              <c:dLblPos val="inEnd"/>
+              <c:showLegendKey val="0"/>
+              <c:showVal val="0"/>
+              <c:showCatName val="1"/>
+              <c:showSerName val="0"/>
+              <c:showPercent val="1"/>
+              <c:showBubbleSize val="0"/>
+              <c:extLst>
+                <c:ext xmlns:c15="http://schemas.microsoft.com/office/drawing/2012/chart" uri="{CE6537A1-D6FC-4f65-9D91-7224C49458BB}">
+                  <c15:layout/>
+                  <c15:dlblFieldTable/>
+                  <c15:showDataLabelsRange val="0"/>
+                </c:ext>
+              </c:extLst>
+            </c:dLbl>
+            <c:dLbl>
+              <c:idx val="2"/>
+              <c:layout/>
+              <c:tx>
+                <c:rich>
+                  <a:bodyPr/>
+                  <a:lstStyle/>
+                  <a:p>
+                    <a:fld id="{DC8C9734-EFEE-46BC-8078-B30099ED3E0F}" type="CATEGORYNAME">
+                      <a:rPr lang="en-US"/>
+                      <a:pPr/>
+                      <a:t>[RUBRIKENNAME]</a:t>
+                    </a:fld>
+                    <a:r>
+                      <a:rPr lang="en-US" baseline="0" dirty="0"/>
+                      <a:t>
+</a:t>
+                    </a:r>
+                    <a:fld id="{DD8DEFC4-021B-48EE-B079-6703C0479B03}" type="VALUE">
+                      <a:rPr lang="en-US" baseline="0" smtClean="0"/>
+                      <a:pPr/>
+                      <a:t>[WERT]</a:t>
+                    </a:fld>
+                    <a:endParaRPr lang="en-US" baseline="0" dirty="0"/>
+                  </a:p>
+                </c:rich>
+              </c:tx>
+              <c:dLblPos val="inEnd"/>
+              <c:showLegendKey val="0"/>
+              <c:showVal val="0"/>
+              <c:showCatName val="1"/>
+              <c:showSerName val="0"/>
+              <c:showPercent val="1"/>
+              <c:showBubbleSize val="0"/>
+              <c:extLst>
+                <c:ext xmlns:c15="http://schemas.microsoft.com/office/drawing/2012/chart" uri="{CE6537A1-D6FC-4f65-9D91-7224C49458BB}">
+                  <c15:layout/>
+                  <c15:dlblFieldTable/>
+                  <c15:showDataLabelsRange val="0"/>
+                </c:ext>
+              </c:extLst>
+            </c:dLbl>
+            <c:dLbl>
+              <c:idx val="3"/>
+              <c:layout/>
+              <c:tx>
+                <c:rich>
+                  <a:bodyPr/>
+                  <a:lstStyle/>
+                  <a:p>
+                    <a:fld id="{9880C75A-A36D-4ACE-87D6-A321E2AB901A}" type="CATEGORYNAME">
+                      <a:rPr lang="en-US"/>
+                      <a:pPr/>
+                      <a:t>[RUBRIKENNAME]</a:t>
+                    </a:fld>
+                    <a:r>
+                      <a:rPr lang="en-US" baseline="0" dirty="0"/>
+                      <a:t>
+</a:t>
+                    </a:r>
+                    <a:fld id="{B3F1B7D4-9B5D-468E-AD86-DD4A6E86143C}" type="VALUE">
+                      <a:rPr lang="en-US" baseline="0" smtClean="0"/>
+                      <a:pPr/>
+                      <a:t>[WERT]</a:t>
+                    </a:fld>
+                    <a:endParaRPr lang="en-US" baseline="0" dirty="0"/>
+                  </a:p>
+                </c:rich>
+              </c:tx>
+              <c:dLblPos val="inEnd"/>
+              <c:showLegendKey val="0"/>
+              <c:showVal val="0"/>
+              <c:showCatName val="1"/>
+              <c:showSerName val="0"/>
+              <c:showPercent val="1"/>
+              <c:showBubbleSize val="0"/>
+              <c:extLst>
+                <c:ext xmlns:c15="http://schemas.microsoft.com/office/drawing/2012/chart" uri="{CE6537A1-D6FC-4f65-9D91-7224C49458BB}">
+                  <c15:layout/>
+                  <c15:dlblFieldTable/>
+                  <c15:showDataLabelsRange val="0"/>
+                </c:ext>
+              </c:extLst>
+            </c:dLbl>
+            <c:dLbl>
+              <c:idx val="4"/>
+              <c:layout/>
+              <c:tx>
+                <c:rich>
+                  <a:bodyPr/>
+                  <a:lstStyle/>
+                  <a:p>
+                    <a:fld id="{5D6E1C0B-85CE-4E4E-B4A4-6664E5A9B764}" type="CATEGORYNAME">
+                      <a:rPr lang="en-US"/>
+                      <a:pPr/>
+                      <a:t>[RUBRIKENNAME]</a:t>
+                    </a:fld>
+                    <a:r>
+                      <a:rPr lang="en-US" baseline="0" dirty="0"/>
+                      <a:t>
+</a:t>
+                    </a:r>
+                    <a:fld id="{F6C1A42C-ED4B-42ED-964A-7BDDAEF595EB}" type="VALUE">
+                      <a:rPr lang="en-US" baseline="0" smtClean="0"/>
+                      <a:pPr/>
+                      <a:t>[WERT]</a:t>
+                    </a:fld>
+                    <a:endParaRPr lang="en-US" baseline="0" dirty="0"/>
+                  </a:p>
+                </c:rich>
+              </c:tx>
+              <c:dLblPos val="inEnd"/>
+              <c:showLegendKey val="0"/>
+              <c:showVal val="0"/>
+              <c:showCatName val="1"/>
+              <c:showSerName val="0"/>
+              <c:showPercent val="1"/>
+              <c:showBubbleSize val="0"/>
+              <c:extLst>
+                <c:ext xmlns:c15="http://schemas.microsoft.com/office/drawing/2012/chart" uri="{CE6537A1-D6FC-4f65-9D91-7224C49458BB}">
+                  <c15:layout/>
+                  <c15:dlblFieldTable/>
+                  <c15:showDataLabelsRange val="0"/>
+                </c:ext>
+              </c:extLst>
+            </c:dLbl>
+            <c:spPr>
+              <a:noFill/>
+              <a:ln>
+                <a:noFill/>
+              </a:ln>
+              <a:effectLst/>
+            </c:spPr>
+            <c:txPr>
+              <a:bodyPr rot="0" spcFirstLastPara="1" vertOverflow="ellipsis" vert="horz" wrap="square" lIns="38100" tIns="19050" rIns="38100" bIns="19050" anchor="ctr" anchorCtr="1">
+                <a:spAutoFit/>
+              </a:bodyPr>
+              <a:lstStyle/>
+              <a:p>
+                <a:pPr>
+                  <a:defRPr sz="1197" b="1" i="0" u="none" strike="noStrike" kern="1200" baseline="0">
+                    <a:solidFill>
+                      <a:schemeClr val="lt1"/>
+                    </a:solidFill>
+                    <a:latin typeface="+mn-lt"/>
+                    <a:ea typeface="+mn-ea"/>
+                    <a:cs typeface="+mn-cs"/>
+                  </a:defRPr>
+                </a:pPr>
+                <a:endParaRPr lang="de-DE"/>
+              </a:p>
+            </c:txPr>
+            <c:dLblPos val="inEnd"/>
+            <c:showLegendKey val="0"/>
+            <c:showVal val="0"/>
+            <c:showCatName val="1"/>
+            <c:showSerName val="0"/>
+            <c:showPercent val="1"/>
+            <c:showBubbleSize val="0"/>
+            <c:showLeaderLines val="1"/>
+            <c:leaderLines>
+              <c:spPr>
+                <a:ln w="9525" cap="flat" cmpd="sng" algn="ctr">
+                  <a:solidFill>
+                    <a:schemeClr val="tx1">
+                      <a:lumMod val="35000"/>
+                      <a:lumOff val="65000"/>
+                    </a:schemeClr>
+                  </a:solidFill>
+                  <a:round/>
+                </a:ln>
+                <a:effectLst/>
+              </c:spPr>
+            </c:leaderLines>
+            <c:extLst>
+              <c:ext xmlns:c15="http://schemas.microsoft.com/office/drawing/2012/chart" uri="{CE6537A1-D6FC-4f65-9D91-7224C49458BB}">
+                <c15:layout/>
+              </c:ext>
+            </c:extLst>
+          </c:dLbls>
           <c:cat>
             <c:strRef>
               <c:f>Tabelle1!$A$2:$A$6</c:f>
@@ -1673,9 +1842,10 @@
           </c:val>
         </c:ser>
         <c:dLbls>
+          <c:dLblPos val="inEnd"/>
           <c:showLegendKey val="0"/>
           <c:showVal val="0"/>
-          <c:showCatName val="0"/>
+          <c:showCatName val="1"/>
           <c:showSerName val="0"/>
           <c:showPercent val="0"/>
           <c:showBubbleSize val="0"/>
@@ -1692,7 +1862,7 @@
       </c:spPr>
     </c:plotArea>
     <c:legend>
-      <c:legendPos val="b"/>
+      <c:legendPos val="t"/>
       <c:layout/>
       <c:overlay val="0"/>
       <c:spPr>
@@ -1764,43 +1934,12 @@
     </mc:Fallback>
   </mc:AlternateContent>
   <c:chart>
-    <c:title>
-      <c:layout/>
-      <c:overlay val="0"/>
-      <c:spPr>
-        <a:noFill/>
-        <a:ln>
-          <a:noFill/>
-        </a:ln>
-        <a:effectLst/>
-      </c:spPr>
-      <c:txPr>
-        <a:bodyPr rot="0" spcFirstLastPara="1" vertOverflow="ellipsis" vert="horz" wrap="square" anchor="ctr" anchorCtr="1"/>
-        <a:lstStyle/>
-        <a:p>
-          <a:pPr>
-            <a:defRPr sz="1862" b="0" i="0" u="none" strike="noStrike" kern="1200" spc="0" baseline="0">
-              <a:solidFill>
-                <a:schemeClr val="tx1">
-                  <a:lumMod val="65000"/>
-                  <a:lumOff val="35000"/>
-                </a:schemeClr>
-              </a:solidFill>
-              <a:latin typeface="+mn-lt"/>
-              <a:ea typeface="+mn-ea"/>
-              <a:cs typeface="+mn-cs"/>
-            </a:defRPr>
-          </a:pPr>
-          <a:endParaRPr lang="de-DE"/>
-        </a:p>
-      </c:txPr>
-    </c:title>
-    <c:autoTitleDeleted val="0"/>
+    <c:autoTitleDeleted val="1"/>
     <c:plotArea>
       <c:layout/>
       <c:barChart>
         <c:barDir val="col"/>
-        <c:grouping val="clustered"/>
+        <c:grouping val="stacked"/>
         <c:varyColors val="0"/>
         <c:ser>
           <c:idx val="0"/>
@@ -1811,7 +1950,7 @@
               <c:strCache>
                 <c:ptCount val="1"/>
                 <c:pt idx="0">
-                  <c:v>Lörrach</c:v>
+                  <c:v>Angenommen</c:v>
                 </c:pt>
               </c:strCache>
             </c:strRef>
@@ -1828,23 +1967,47 @@
           <c:invertIfNegative val="0"/>
           <c:cat>
             <c:strRef>
-              <c:f>Tabelle1!$A$2</c:f>
+              <c:f>Tabelle1!$A$2:$A$6</c:f>
               <c:strCache>
-                <c:ptCount val="1"/>
+                <c:ptCount val="5"/>
                 <c:pt idx="0">
-                  <c:v>Kategorie 1</c:v>
+                  <c:v>Lörrach</c:v>
+                </c:pt>
+                <c:pt idx="1">
+                  <c:v> Berlin</c:v>
+                </c:pt>
+                <c:pt idx="2">
+                  <c:v> Hamburg</c:v>
+                </c:pt>
+                <c:pt idx="3">
+                  <c:v> München</c:v>
+                </c:pt>
+                <c:pt idx="4">
+                  <c:v>Saarland</c:v>
                 </c:pt>
               </c:strCache>
             </c:strRef>
           </c:cat>
           <c:val>
             <c:numRef>
-              <c:f>Tabelle1!$B$2</c:f>
+              <c:f>Tabelle1!$B$2:$B$6</c:f>
               <c:numCache>
                 <c:formatCode>General</c:formatCode>
-                <c:ptCount val="1"/>
+                <c:ptCount val="5"/>
                 <c:pt idx="0">
-                  <c:v>4.3</c:v>
+                  <c:v>45</c:v>
+                </c:pt>
+                <c:pt idx="1">
+                  <c:v>30</c:v>
+                </c:pt>
+                <c:pt idx="2">
+                  <c:v>15</c:v>
+                </c:pt>
+                <c:pt idx="3">
+                  <c:v>55</c:v>
+                </c:pt>
+                <c:pt idx="4">
+                  <c:v>10</c:v>
                 </c:pt>
               </c:numCache>
             </c:numRef>
@@ -1859,7 +2022,7 @@
               <c:strCache>
                 <c:ptCount val="1"/>
                 <c:pt idx="0">
-                  <c:v>Berlin</c:v>
+                  <c:v>Abgelehnt</c:v>
                 </c:pt>
               </c:strCache>
             </c:strRef>
@@ -1876,23 +2039,47 @@
           <c:invertIfNegative val="0"/>
           <c:cat>
             <c:strRef>
-              <c:f>Tabelle1!$A$2</c:f>
+              <c:f>Tabelle1!$A$2:$A$6</c:f>
               <c:strCache>
-                <c:ptCount val="1"/>
+                <c:ptCount val="5"/>
                 <c:pt idx="0">
-                  <c:v>Kategorie 1</c:v>
+                  <c:v>Lörrach</c:v>
+                </c:pt>
+                <c:pt idx="1">
+                  <c:v> Berlin</c:v>
+                </c:pt>
+                <c:pt idx="2">
+                  <c:v> Hamburg</c:v>
+                </c:pt>
+                <c:pt idx="3">
+                  <c:v> München</c:v>
+                </c:pt>
+                <c:pt idx="4">
+                  <c:v>Saarland</c:v>
                 </c:pt>
               </c:strCache>
             </c:strRef>
           </c:cat>
           <c:val>
             <c:numRef>
-              <c:f>Tabelle1!$C$2</c:f>
+              <c:f>Tabelle1!$C$2:$C$6</c:f>
               <c:numCache>
                 <c:formatCode>General</c:formatCode>
-                <c:ptCount val="1"/>
+                <c:ptCount val="5"/>
                 <c:pt idx="0">
-                  <c:v>2.4</c:v>
+                  <c:v>15</c:v>
+                </c:pt>
+                <c:pt idx="1">
+                  <c:v>12</c:v>
+                </c:pt>
+                <c:pt idx="2">
+                  <c:v>15</c:v>
+                </c:pt>
+                <c:pt idx="3">
+                  <c:v>32</c:v>
+                </c:pt>
+                <c:pt idx="4">
+                  <c:v>15</c:v>
                 </c:pt>
               </c:numCache>
             </c:numRef>
@@ -1907,7 +2094,7 @@
               <c:strCache>
                 <c:ptCount val="1"/>
                 <c:pt idx="0">
-                  <c:v> Hamburg</c:v>
+                  <c:v> Offen</c:v>
                 </c:pt>
               </c:strCache>
             </c:strRef>
@@ -1924,23 +2111,47 @@
           <c:invertIfNegative val="0"/>
           <c:cat>
             <c:strRef>
-              <c:f>Tabelle1!$A$2</c:f>
+              <c:f>Tabelle1!$A$2:$A$6</c:f>
               <c:strCache>
-                <c:ptCount val="1"/>
+                <c:ptCount val="5"/>
                 <c:pt idx="0">
-                  <c:v>Kategorie 1</c:v>
+                  <c:v>Lörrach</c:v>
+                </c:pt>
+                <c:pt idx="1">
+                  <c:v> Berlin</c:v>
+                </c:pt>
+                <c:pt idx="2">
+                  <c:v> Hamburg</c:v>
+                </c:pt>
+                <c:pt idx="3">
+                  <c:v> München</c:v>
+                </c:pt>
+                <c:pt idx="4">
+                  <c:v>Saarland</c:v>
                 </c:pt>
               </c:strCache>
             </c:strRef>
           </c:cat>
           <c:val>
             <c:numRef>
-              <c:f>Tabelle1!$D$2</c:f>
+              <c:f>Tabelle1!$D$2:$D$6</c:f>
               <c:numCache>
                 <c:formatCode>General</c:formatCode>
-                <c:ptCount val="1"/>
+                <c:ptCount val="5"/>
                 <c:pt idx="0">
-                  <c:v>2</c:v>
+                  <c:v>20</c:v>
+                </c:pt>
+                <c:pt idx="1">
+                  <c:v>30</c:v>
+                </c:pt>
+                <c:pt idx="2">
+                  <c:v>10</c:v>
+                </c:pt>
+                <c:pt idx="3">
+                  <c:v>5</c:v>
+                </c:pt>
+                <c:pt idx="4">
+                  <c:v>50</c:v>
                 </c:pt>
               </c:numCache>
             </c:numRef>
@@ -1954,13 +2165,13 @@
           <c:showPercent val="0"/>
           <c:showBubbleSize val="0"/>
         </c:dLbls>
-        <c:gapWidth val="219"/>
-        <c:overlap val="-27"/>
-        <c:axId val="-1148436672"/>
-        <c:axId val="-1148412192"/>
+        <c:gapWidth val="150"/>
+        <c:overlap val="100"/>
+        <c:axId val="-1143898112"/>
+        <c:axId val="-1143916064"/>
       </c:barChart>
       <c:catAx>
-        <c:axId val="-1148436672"/>
+        <c:axId val="-1143898112"/>
         <c:scaling>
           <c:orientation val="minMax"/>
         </c:scaling>
@@ -2003,7 +2214,7 @@
             <a:endParaRPr lang="de-DE"/>
           </a:p>
         </c:txPr>
-        <c:crossAx val="-1148412192"/>
+        <c:crossAx val="-1143916064"/>
         <c:crosses val="autoZero"/>
         <c:auto val="1"/>
         <c:lblAlgn val="ctr"/>
@@ -2011,7 +2222,7 @@
         <c:noMultiLvlLbl val="0"/>
       </c:catAx>
       <c:valAx>
-        <c:axId val="-1148412192"/>
+        <c:axId val="-1143916064"/>
         <c:scaling>
           <c:orientation val="minMax"/>
         </c:scaling>
@@ -2062,7 +2273,7 @@
             <a:endParaRPr lang="de-DE"/>
           </a:p>
         </c:txPr>
-        <c:crossAx val="-1148436672"/>
+        <c:crossAx val="-1143898112"/>
         <c:crosses val="autoZero"/>
         <c:crossBetween val="between"/>
       </c:valAx>
@@ -2147,42 +2358,51 @@
     </mc:Fallback>
   </mc:AlternateContent>
   <c:chart>
-    <c:title>
-      <c:layout/>
-      <c:overlay val="0"/>
+    <c:autoTitleDeleted val="1"/>
+    <c:view3D>
+      <c:rotX val="15"/>
+      <c:rotY val="20"/>
+      <c:depthPercent val="100"/>
+      <c:rAngAx val="1"/>
+    </c:view3D>
+    <c:floor>
+      <c:thickness val="0"/>
       <c:spPr>
         <a:noFill/>
         <a:ln>
           <a:noFill/>
         </a:ln>
         <a:effectLst/>
+        <a:sp3d/>
       </c:spPr>
-      <c:txPr>
-        <a:bodyPr rot="0" spcFirstLastPara="1" vertOverflow="ellipsis" vert="horz" wrap="square" anchor="ctr" anchorCtr="1"/>
-        <a:lstStyle/>
-        <a:p>
-          <a:pPr>
-            <a:defRPr sz="1862" b="0" i="0" u="none" strike="noStrike" kern="1200" cap="none" spc="20" baseline="0">
-              <a:solidFill>
-                <a:schemeClr val="dk1">
-                  <a:lumMod val="50000"/>
-                  <a:lumOff val="50000"/>
-                </a:schemeClr>
-              </a:solidFill>
-              <a:latin typeface="+mn-lt"/>
-              <a:ea typeface="+mn-ea"/>
-              <a:cs typeface="+mn-cs"/>
-            </a:defRPr>
-          </a:pPr>
-          <a:endParaRPr lang="de-DE"/>
-        </a:p>
-      </c:txPr>
-    </c:title>
-    <c:autoTitleDeleted val="0"/>
+    </c:floor>
+    <c:sideWall>
+      <c:thickness val="0"/>
+      <c:spPr>
+        <a:noFill/>
+        <a:ln>
+          <a:noFill/>
+        </a:ln>
+        <a:effectLst/>
+        <a:sp3d/>
+      </c:spPr>
+    </c:sideWall>
+    <c:backWall>
+      <c:thickness val="0"/>
+      <c:spPr>
+        <a:noFill/>
+        <a:ln>
+          <a:noFill/>
+        </a:ln>
+        <a:effectLst/>
+        <a:sp3d/>
+      </c:spPr>
+    </c:backWall>
     <c:plotArea>
       <c:layout/>
-      <c:lineChart>
-        <c:grouping val="standard"/>
+      <c:bar3DChart>
+        <c:barDir val="col"/>
+        <c:grouping val="clustered"/>
         <c:varyColors val="0"/>
         <c:ser>
           <c:idx val="0"/>
@@ -2193,65 +2413,69 @@
               <c:strCache>
                 <c:ptCount val="1"/>
                 <c:pt idx="0">
-                  <c:v>Lörrach</c:v>
+                  <c:v>Angenommen</c:v>
                 </c:pt>
               </c:strCache>
             </c:strRef>
           </c:tx>
           <c:spPr>
-            <a:ln w="22225" cap="rnd" cmpd="sng" algn="ctr">
-              <a:solidFill>
-                <a:schemeClr val="accent1"/>
-              </a:solidFill>
-              <a:round/>
+            <a:solidFill>
+              <a:schemeClr val="accent1"/>
+            </a:solidFill>
+            <a:ln>
+              <a:noFill/>
             </a:ln>
             <a:effectLst/>
+            <a:sp3d/>
           </c:spPr>
-          <c:marker>
-            <c:symbol val="none"/>
-          </c:marker>
+          <c:invertIfNegative val="0"/>
           <c:cat>
             <c:strRef>
-              <c:f>Tabelle1!$A$2:$A$5</c:f>
+              <c:f>Tabelle1!$A$2:$A$6</c:f>
               <c:strCache>
-                <c:ptCount val="4"/>
+                <c:ptCount val="5"/>
                 <c:pt idx="0">
-                  <c:v>Q1</c:v>
+                  <c:v>Lörrach</c:v>
                 </c:pt>
                 <c:pt idx="1">
-                  <c:v>Q2</c:v>
+                  <c:v> Berlin</c:v>
                 </c:pt>
                 <c:pt idx="2">
-                  <c:v>Q3</c:v>
+                  <c:v> Hamburg</c:v>
                 </c:pt>
                 <c:pt idx="3">
-                  <c:v>Q4</c:v>
+                  <c:v> München</c:v>
+                </c:pt>
+                <c:pt idx="4">
+                  <c:v>Saarland</c:v>
                 </c:pt>
               </c:strCache>
             </c:strRef>
           </c:cat>
           <c:val>
             <c:numRef>
-              <c:f>Tabelle1!$B$2:$B$5</c:f>
+              <c:f>Tabelle1!$B$2:$B$6</c:f>
               <c:numCache>
                 <c:formatCode>General</c:formatCode>
-                <c:ptCount val="4"/>
+                <c:ptCount val="5"/>
                 <c:pt idx="0">
-                  <c:v>500000</c:v>
+                  <c:v>45</c:v>
                 </c:pt>
                 <c:pt idx="1">
-                  <c:v>750000</c:v>
+                  <c:v>30</c:v>
                 </c:pt>
                 <c:pt idx="2">
-                  <c:v>630000</c:v>
+                  <c:v>15</c:v>
                 </c:pt>
                 <c:pt idx="3">
-                  <c:v>410000</c:v>
+                  <c:v>55</c:v>
+                </c:pt>
+                <c:pt idx="4">
+                  <c:v>10</c:v>
                 </c:pt>
               </c:numCache>
             </c:numRef>
           </c:val>
-          <c:smooth val="0"/>
         </c:ser>
         <c:ser>
           <c:idx val="1"/>
@@ -2262,65 +2486,69 @@
               <c:strCache>
                 <c:ptCount val="1"/>
                 <c:pt idx="0">
-                  <c:v>Berlin</c:v>
+                  <c:v>Abgelehnt</c:v>
                 </c:pt>
               </c:strCache>
             </c:strRef>
           </c:tx>
           <c:spPr>
-            <a:ln w="22225" cap="rnd" cmpd="sng" algn="ctr">
-              <a:solidFill>
-                <a:schemeClr val="accent2"/>
-              </a:solidFill>
-              <a:round/>
+            <a:solidFill>
+              <a:schemeClr val="accent2"/>
+            </a:solidFill>
+            <a:ln>
+              <a:noFill/>
             </a:ln>
             <a:effectLst/>
+            <a:sp3d/>
           </c:spPr>
-          <c:marker>
-            <c:symbol val="none"/>
-          </c:marker>
+          <c:invertIfNegative val="0"/>
           <c:cat>
             <c:strRef>
-              <c:f>Tabelle1!$A$2:$A$5</c:f>
+              <c:f>Tabelle1!$A$2:$A$6</c:f>
               <c:strCache>
-                <c:ptCount val="4"/>
+                <c:ptCount val="5"/>
                 <c:pt idx="0">
-                  <c:v>Q1</c:v>
+                  <c:v>Lörrach</c:v>
                 </c:pt>
                 <c:pt idx="1">
-                  <c:v>Q2</c:v>
+                  <c:v> Berlin</c:v>
                 </c:pt>
                 <c:pt idx="2">
-                  <c:v>Q3</c:v>
+                  <c:v> Hamburg</c:v>
                 </c:pt>
                 <c:pt idx="3">
-                  <c:v>Q4</c:v>
+                  <c:v> München</c:v>
+                </c:pt>
+                <c:pt idx="4">
+                  <c:v>Saarland</c:v>
                 </c:pt>
               </c:strCache>
             </c:strRef>
           </c:cat>
           <c:val>
             <c:numRef>
-              <c:f>Tabelle1!$C$2:$C$5</c:f>
+              <c:f>Tabelle1!$C$2:$C$6</c:f>
               <c:numCache>
                 <c:formatCode>General</c:formatCode>
-                <c:ptCount val="4"/>
+                <c:ptCount val="5"/>
                 <c:pt idx="0">
-                  <c:v>900000</c:v>
+                  <c:v>15</c:v>
                 </c:pt>
                 <c:pt idx="1">
-                  <c:v>810000</c:v>
+                  <c:v>12</c:v>
                 </c:pt>
                 <c:pt idx="2">
-                  <c:v>700000</c:v>
+                  <c:v>15</c:v>
                 </c:pt>
                 <c:pt idx="3">
-                  <c:v>960000</c:v>
+                  <c:v>32</c:v>
+                </c:pt>
+                <c:pt idx="4">
+                  <c:v>15</c:v>
                 </c:pt>
               </c:numCache>
             </c:numRef>
           </c:val>
-          <c:smooth val="0"/>
         </c:ser>
         <c:ser>
           <c:idx val="2"/>
@@ -2331,203 +2559,69 @@
               <c:strCache>
                 <c:ptCount val="1"/>
                 <c:pt idx="0">
-                  <c:v>Hamburg</c:v>
+                  <c:v> Offen</c:v>
                 </c:pt>
               </c:strCache>
             </c:strRef>
           </c:tx>
           <c:spPr>
-            <a:ln w="22225" cap="rnd" cmpd="sng" algn="ctr">
-              <a:solidFill>
-                <a:schemeClr val="accent3"/>
-              </a:solidFill>
-              <a:round/>
+            <a:solidFill>
+              <a:schemeClr val="accent3"/>
+            </a:solidFill>
+            <a:ln>
+              <a:noFill/>
             </a:ln>
             <a:effectLst/>
+            <a:sp3d/>
           </c:spPr>
-          <c:marker>
-            <c:symbol val="none"/>
-          </c:marker>
+          <c:invertIfNegative val="0"/>
           <c:cat>
             <c:strRef>
-              <c:f>Tabelle1!$A$2:$A$5</c:f>
+              <c:f>Tabelle1!$A$2:$A$6</c:f>
               <c:strCache>
-                <c:ptCount val="4"/>
+                <c:ptCount val="5"/>
                 <c:pt idx="0">
-                  <c:v>Q1</c:v>
+                  <c:v>Lörrach</c:v>
                 </c:pt>
                 <c:pt idx="1">
-                  <c:v>Q2</c:v>
+                  <c:v> Berlin</c:v>
                 </c:pt>
                 <c:pt idx="2">
-                  <c:v>Q3</c:v>
+                  <c:v> Hamburg</c:v>
                 </c:pt>
                 <c:pt idx="3">
-                  <c:v>Q4</c:v>
+                  <c:v> München</c:v>
+                </c:pt>
+                <c:pt idx="4">
+                  <c:v>Saarland</c:v>
                 </c:pt>
               </c:strCache>
             </c:strRef>
           </c:cat>
           <c:val>
             <c:numRef>
-              <c:f>Tabelle1!$D$2:$D$5</c:f>
+              <c:f>Tabelle1!$D$2:$D$6</c:f>
               <c:numCache>
                 <c:formatCode>General</c:formatCode>
-                <c:ptCount val="4"/>
+                <c:ptCount val="5"/>
                 <c:pt idx="0">
-                  <c:v>750000</c:v>
+                  <c:v>20</c:v>
                 </c:pt>
                 <c:pt idx="1">
-                  <c:v>960000</c:v>
+                  <c:v>30</c:v>
                 </c:pt>
                 <c:pt idx="2">
-                  <c:v>600000</c:v>
+                  <c:v>10</c:v>
                 </c:pt>
                 <c:pt idx="3">
-                  <c:v>210000</c:v>
+                  <c:v>5</c:v>
+                </c:pt>
+                <c:pt idx="4">
+                  <c:v>50</c:v>
                 </c:pt>
               </c:numCache>
             </c:numRef>
           </c:val>
-          <c:smooth val="0"/>
-        </c:ser>
-        <c:ser>
-          <c:idx val="3"/>
-          <c:order val="3"/>
-          <c:tx>
-            <c:strRef>
-              <c:f>Tabelle1!$E$1</c:f>
-              <c:strCache>
-                <c:ptCount val="1"/>
-                <c:pt idx="0">
-                  <c:v>München</c:v>
-                </c:pt>
-              </c:strCache>
-            </c:strRef>
-          </c:tx>
-          <c:spPr>
-            <a:ln w="22225" cap="rnd" cmpd="sng" algn="ctr">
-              <a:solidFill>
-                <a:schemeClr val="accent4"/>
-              </a:solidFill>
-              <a:round/>
-            </a:ln>
-            <a:effectLst/>
-          </c:spPr>
-          <c:marker>
-            <c:symbol val="none"/>
-          </c:marker>
-          <c:cat>
-            <c:strRef>
-              <c:f>Tabelle1!$A$2:$A$5</c:f>
-              <c:strCache>
-                <c:ptCount val="4"/>
-                <c:pt idx="0">
-                  <c:v>Q1</c:v>
-                </c:pt>
-                <c:pt idx="1">
-                  <c:v>Q2</c:v>
-                </c:pt>
-                <c:pt idx="2">
-                  <c:v>Q3</c:v>
-                </c:pt>
-                <c:pt idx="3">
-                  <c:v>Q4</c:v>
-                </c:pt>
-              </c:strCache>
-            </c:strRef>
-          </c:cat>
-          <c:val>
-            <c:numRef>
-              <c:f>Tabelle1!$E$2:$E$5</c:f>
-              <c:numCache>
-                <c:formatCode>General</c:formatCode>
-                <c:ptCount val="4"/>
-                <c:pt idx="0">
-                  <c:v>500000</c:v>
-                </c:pt>
-                <c:pt idx="1">
-                  <c:v>600000</c:v>
-                </c:pt>
-                <c:pt idx="2">
-                  <c:v>700000</c:v>
-                </c:pt>
-                <c:pt idx="3">
-                  <c:v>800000</c:v>
-                </c:pt>
-              </c:numCache>
-            </c:numRef>
-          </c:val>
-          <c:smooth val="0"/>
-        </c:ser>
-        <c:ser>
-          <c:idx val="4"/>
-          <c:order val="4"/>
-          <c:tx>
-            <c:strRef>
-              <c:f>Tabelle1!$F$1</c:f>
-              <c:strCache>
-                <c:ptCount val="1"/>
-                <c:pt idx="0">
-                  <c:v>Saarland</c:v>
-                </c:pt>
-              </c:strCache>
-            </c:strRef>
-          </c:tx>
-          <c:spPr>
-            <a:ln w="22225" cap="rnd" cmpd="sng" algn="ctr">
-              <a:solidFill>
-                <a:schemeClr val="accent5"/>
-              </a:solidFill>
-              <a:round/>
-            </a:ln>
-            <a:effectLst/>
-          </c:spPr>
-          <c:marker>
-            <c:symbol val="none"/>
-          </c:marker>
-          <c:cat>
-            <c:strRef>
-              <c:f>Tabelle1!$A$2:$A$5</c:f>
-              <c:strCache>
-                <c:ptCount val="4"/>
-                <c:pt idx="0">
-                  <c:v>Q1</c:v>
-                </c:pt>
-                <c:pt idx="1">
-                  <c:v>Q2</c:v>
-                </c:pt>
-                <c:pt idx="2">
-                  <c:v>Q3</c:v>
-                </c:pt>
-                <c:pt idx="3">
-                  <c:v>Q4</c:v>
-                </c:pt>
-              </c:strCache>
-            </c:strRef>
-          </c:cat>
-          <c:val>
-            <c:numRef>
-              <c:f>Tabelle1!$F$2:$F$5</c:f>
-              <c:numCache>
-                <c:formatCode>General</c:formatCode>
-                <c:ptCount val="4"/>
-                <c:pt idx="0">
-                  <c:v>150000</c:v>
-                </c:pt>
-                <c:pt idx="1">
-                  <c:v>241000</c:v>
-                </c:pt>
-                <c:pt idx="2">
-                  <c:v>199999</c:v>
-                </c:pt>
-                <c:pt idx="3">
-                  <c:v>200000</c:v>
-                </c:pt>
-              </c:numCache>
-            </c:numRef>
-          </c:val>
-          <c:smooth val="0"/>
         </c:ser>
         <c:dLbls>
           <c:showLegendKey val="0"/>
@@ -2537,85 +2631,19 @@
           <c:showPercent val="0"/>
           <c:showBubbleSize val="0"/>
         </c:dLbls>
-        <c:dropLines>
-          <c:spPr>
-            <a:ln w="9525" cap="flat" cmpd="sng" algn="ctr">
-              <a:solidFill>
-                <a:schemeClr val="dk1">
-                  <a:lumMod val="35000"/>
-                  <a:lumOff val="65000"/>
-                  <a:alpha val="33000"/>
-                </a:schemeClr>
-              </a:solidFill>
-              <a:round/>
-            </a:ln>
-            <a:effectLst/>
-          </c:spPr>
-        </c:dropLines>
-        <c:smooth val="0"/>
-        <c:axId val="-1217983920"/>
-        <c:axId val="-1217975760"/>
-      </c:lineChart>
+        <c:gapWidth val="150"/>
+        <c:shape val="box"/>
+        <c:axId val="-1135079600"/>
+        <c:axId val="-1135072528"/>
+        <c:axId val="0"/>
+      </c:bar3DChart>
       <c:catAx>
-        <c:axId val="-1217983920"/>
+        <c:axId val="-1135079600"/>
         <c:scaling>
           <c:orientation val="minMax"/>
         </c:scaling>
         <c:delete val="0"/>
         <c:axPos val="b"/>
-        <c:numFmt formatCode="General" sourceLinked="1"/>
-        <c:majorTickMark val="none"/>
-        <c:minorTickMark val="none"/>
-        <c:tickLblPos val="nextTo"/>
-        <c:spPr>
-          <a:noFill/>
-          <a:ln w="9525" cap="flat" cmpd="sng" algn="ctr">
-            <a:solidFill>
-              <a:schemeClr val="dk1">
-                <a:lumMod val="15000"/>
-                <a:lumOff val="85000"/>
-              </a:schemeClr>
-            </a:solidFill>
-            <a:round/>
-          </a:ln>
-          <a:effectLst/>
-        </c:spPr>
-        <c:txPr>
-          <a:bodyPr rot="-60000000" spcFirstLastPara="1" vertOverflow="ellipsis" vert="horz" wrap="square" anchor="ctr" anchorCtr="1"/>
-          <a:lstStyle/>
-          <a:p>
-            <a:pPr>
-              <a:defRPr sz="1197" b="0" i="0" u="none" strike="noStrike" kern="1200" spc="20" baseline="0">
-                <a:solidFill>
-                  <a:schemeClr val="dk1">
-                    <a:lumMod val="65000"/>
-                    <a:lumOff val="35000"/>
-                  </a:schemeClr>
-                </a:solidFill>
-                <a:latin typeface="+mn-lt"/>
-                <a:ea typeface="+mn-ea"/>
-                <a:cs typeface="+mn-cs"/>
-              </a:defRPr>
-            </a:pPr>
-            <a:endParaRPr lang="de-DE"/>
-          </a:p>
-        </c:txPr>
-        <c:crossAx val="-1217975760"/>
-        <c:crosses val="autoZero"/>
-        <c:auto val="1"/>
-        <c:lblAlgn val="ctr"/>
-        <c:lblOffset val="100"/>
-        <c:noMultiLvlLbl val="0"/>
-      </c:catAx>
-      <c:valAx>
-        <c:axId val="-1217975760"/>
-        <c:scaling>
-          <c:orientation val="minMax"/>
-          <c:max val="1000000"/>
-          <c:min val="0"/>
-        </c:scaling>
-        <c:delete val="0"/>
-        <c:axPos val="l"/>
         <c:numFmt formatCode="General" sourceLinked="1"/>
         <c:majorTickMark val="none"/>
         <c:minorTickMark val="none"/>
@@ -2632,320 +2660,6 @@
           <a:lstStyle/>
           <a:p>
             <a:pPr>
-              <a:defRPr sz="1197" b="0" i="0" u="none" strike="noStrike" kern="1200" spc="20" baseline="0">
-                <a:solidFill>
-                  <a:schemeClr val="dk1">
-                    <a:lumMod val="65000"/>
-                    <a:lumOff val="35000"/>
-                  </a:schemeClr>
-                </a:solidFill>
-                <a:latin typeface="+mn-lt"/>
-                <a:ea typeface="+mn-ea"/>
-                <a:cs typeface="+mn-cs"/>
-              </a:defRPr>
-            </a:pPr>
-            <a:endParaRPr lang="de-DE"/>
-          </a:p>
-        </c:txPr>
-        <c:crossAx val="-1217983920"/>
-        <c:crosses val="autoZero"/>
-        <c:crossBetween val="between"/>
-      </c:valAx>
-      <c:spPr>
-        <a:gradFill>
-          <a:gsLst>
-            <a:gs pos="100000">
-              <a:schemeClr val="lt1">
-                <a:lumMod val="95000"/>
-              </a:schemeClr>
-            </a:gs>
-            <a:gs pos="0">
-              <a:schemeClr val="lt1"/>
-            </a:gs>
-          </a:gsLst>
-          <a:lin ang="5400000" scaled="0"/>
-        </a:gradFill>
-        <a:ln>
-          <a:noFill/>
-        </a:ln>
-        <a:effectLst/>
-      </c:spPr>
-    </c:plotArea>
-    <c:legend>
-      <c:legendPos val="b"/>
-      <c:layout/>
-      <c:overlay val="0"/>
-      <c:spPr>
-        <a:noFill/>
-        <a:ln>
-          <a:noFill/>
-        </a:ln>
-        <a:effectLst/>
-      </c:spPr>
-      <c:txPr>
-        <a:bodyPr rot="0" spcFirstLastPara="1" vertOverflow="ellipsis" vert="horz" wrap="square" anchor="ctr" anchorCtr="1"/>
-        <a:lstStyle/>
-        <a:p>
-          <a:pPr>
-            <a:defRPr sz="1197" b="0" i="0" u="none" strike="noStrike" kern="1200" baseline="0">
-              <a:solidFill>
-                <a:schemeClr val="dk1">
-                  <a:lumMod val="65000"/>
-                  <a:lumOff val="35000"/>
-                </a:schemeClr>
-              </a:solidFill>
-              <a:latin typeface="+mn-lt"/>
-              <a:ea typeface="+mn-ea"/>
-              <a:cs typeface="+mn-cs"/>
-            </a:defRPr>
-          </a:pPr>
-          <a:endParaRPr lang="de-DE"/>
-        </a:p>
-      </c:txPr>
-    </c:legend>
-    <c:plotVisOnly val="1"/>
-    <c:dispBlanksAs val="gap"/>
-    <c:showDLblsOverMax val="0"/>
-  </c:chart>
-  <c:spPr>
-    <a:solidFill>
-      <a:schemeClr val="lt1"/>
-    </a:solidFill>
-    <a:ln>
-      <a:noFill/>
-    </a:ln>
-    <a:effectLst/>
-  </c:spPr>
-  <c:txPr>
-    <a:bodyPr/>
-    <a:lstStyle/>
-    <a:p>
-      <a:pPr>
-        <a:defRPr/>
-      </a:pPr>
-      <a:endParaRPr lang="de-DE"/>
-    </a:p>
-  </c:txPr>
-  <c:externalData r:id="rId3">
-    <c:autoUpdate val="0"/>
-  </c:externalData>
-</c:chartSpace>
-</file>
-
-<file path=ppt/charts/chart7.xml><?xml version="1.0" encoding="utf-8"?>
-<c:chartSpace xmlns:c="http://schemas.openxmlformats.org/drawingml/2006/chart" xmlns:a="http://schemas.openxmlformats.org/drawingml/2006/main" xmlns:r="http://schemas.openxmlformats.org/officeDocument/2006/relationships">
-  <c:date1904 val="0"/>
-  <c:lang val="de-DE"/>
-  <c:roundedCorners val="0"/>
-  <mc:AlternateContent xmlns:mc="http://schemas.openxmlformats.org/markup-compatibility/2006">
-    <mc:Choice xmlns:c14="http://schemas.microsoft.com/office/drawing/2007/8/2/chart" Requires="c14">
-      <c14:style val="102"/>
-    </mc:Choice>
-    <mc:Fallback>
-      <c:style val="2"/>
-    </mc:Fallback>
-  </mc:AlternateContent>
-  <c:chart>
-    <c:title>
-      <c:layout/>
-      <c:overlay val="0"/>
-      <c:spPr>
-        <a:noFill/>
-        <a:ln>
-          <a:noFill/>
-        </a:ln>
-        <a:effectLst/>
-      </c:spPr>
-      <c:txPr>
-        <a:bodyPr rot="0" spcFirstLastPara="1" vertOverflow="ellipsis" vert="horz" wrap="square" anchor="ctr" anchorCtr="1"/>
-        <a:lstStyle/>
-        <a:p>
-          <a:pPr>
-            <a:defRPr sz="1862" b="0" i="0" u="none" strike="noStrike" kern="1200" spc="0" baseline="0">
-              <a:solidFill>
-                <a:schemeClr val="tx1">
-                  <a:lumMod val="65000"/>
-                  <a:lumOff val="35000"/>
-                </a:schemeClr>
-              </a:solidFill>
-              <a:latin typeface="+mn-lt"/>
-              <a:ea typeface="+mn-ea"/>
-              <a:cs typeface="+mn-cs"/>
-            </a:defRPr>
-          </a:pPr>
-          <a:endParaRPr lang="de-DE"/>
-        </a:p>
-      </c:txPr>
-    </c:title>
-    <c:autoTitleDeleted val="0"/>
-    <c:plotArea>
-      <c:layout/>
-      <c:barChart>
-        <c:barDir val="col"/>
-        <c:grouping val="stacked"/>
-        <c:varyColors val="0"/>
-        <c:ser>
-          <c:idx val="0"/>
-          <c:order val="0"/>
-          <c:tx>
-            <c:strRef>
-              <c:f>Tabelle1!$B$1</c:f>
-              <c:strCache>
-                <c:ptCount val="1"/>
-                <c:pt idx="0">
-                  <c:v>Budget Verbraucht</c:v>
-                </c:pt>
-              </c:strCache>
-            </c:strRef>
-          </c:tx>
-          <c:spPr>
-            <a:solidFill>
-              <a:schemeClr val="accent1"/>
-            </a:solidFill>
-            <a:ln>
-              <a:noFill/>
-            </a:ln>
-            <a:effectLst/>
-          </c:spPr>
-          <c:invertIfNegative val="0"/>
-          <c:cat>
-            <c:strRef>
-              <c:f>Tabelle1!$A$2:$A$4</c:f>
-              <c:strCache>
-                <c:ptCount val="3"/>
-                <c:pt idx="0">
-                  <c:v>Projekt 1</c:v>
-                </c:pt>
-                <c:pt idx="1">
-                  <c:v>Projekt 2</c:v>
-                </c:pt>
-                <c:pt idx="2">
-                  <c:v>Projekt 3</c:v>
-                </c:pt>
-              </c:strCache>
-            </c:strRef>
-          </c:cat>
-          <c:val>
-            <c:numRef>
-              <c:f>Tabelle1!$B$2:$B$4</c:f>
-              <c:numCache>
-                <c:formatCode>General</c:formatCode>
-                <c:ptCount val="3"/>
-                <c:pt idx="0">
-                  <c:v>0.5</c:v>
-                </c:pt>
-                <c:pt idx="1">
-                  <c:v>0.1</c:v>
-                </c:pt>
-                <c:pt idx="2">
-                  <c:v>0.7</c:v>
-                </c:pt>
-              </c:numCache>
-            </c:numRef>
-          </c:val>
-        </c:ser>
-        <c:ser>
-          <c:idx val="1"/>
-          <c:order val="1"/>
-          <c:tx>
-            <c:strRef>
-              <c:f>Tabelle1!$C$1</c:f>
-              <c:strCache>
-                <c:ptCount val="1"/>
-                <c:pt idx="0">
-                  <c:v>Budget Verbleibend</c:v>
-                </c:pt>
-              </c:strCache>
-            </c:strRef>
-          </c:tx>
-          <c:spPr>
-            <a:solidFill>
-              <a:schemeClr val="accent2"/>
-            </a:solidFill>
-            <a:ln>
-              <a:noFill/>
-            </a:ln>
-            <a:effectLst/>
-          </c:spPr>
-          <c:invertIfNegative val="0"/>
-          <c:cat>
-            <c:strRef>
-              <c:f>Tabelle1!$A$2:$A$4</c:f>
-              <c:strCache>
-                <c:ptCount val="3"/>
-                <c:pt idx="0">
-                  <c:v>Projekt 1</c:v>
-                </c:pt>
-                <c:pt idx="1">
-                  <c:v>Projekt 2</c:v>
-                </c:pt>
-                <c:pt idx="2">
-                  <c:v>Projekt 3</c:v>
-                </c:pt>
-              </c:strCache>
-            </c:strRef>
-          </c:cat>
-          <c:val>
-            <c:numRef>
-              <c:f>Tabelle1!$C$2:$C$4</c:f>
-              <c:numCache>
-                <c:formatCode>General</c:formatCode>
-                <c:ptCount val="3"/>
-                <c:pt idx="0">
-                  <c:v>0.5</c:v>
-                </c:pt>
-                <c:pt idx="1">
-                  <c:v>0.9</c:v>
-                </c:pt>
-                <c:pt idx="2">
-                  <c:v>0.3</c:v>
-                </c:pt>
-              </c:numCache>
-            </c:numRef>
-          </c:val>
-        </c:ser>
-        <c:dLbls>
-          <c:showLegendKey val="0"/>
-          <c:showVal val="0"/>
-          <c:showCatName val="0"/>
-          <c:showSerName val="0"/>
-          <c:showPercent val="0"/>
-          <c:showBubbleSize val="0"/>
-        </c:dLbls>
-        <c:gapWidth val="150"/>
-        <c:overlap val="100"/>
-        <c:axId val="-1147477648"/>
-        <c:axId val="-1147468400"/>
-      </c:barChart>
-      <c:catAx>
-        <c:axId val="-1147477648"/>
-        <c:scaling>
-          <c:orientation val="minMax"/>
-        </c:scaling>
-        <c:delete val="0"/>
-        <c:axPos val="t"/>
-        <c:numFmt formatCode="General" sourceLinked="1"/>
-        <c:majorTickMark val="none"/>
-        <c:minorTickMark val="none"/>
-        <c:tickLblPos val="nextTo"/>
-        <c:spPr>
-          <a:noFill/>
-          <a:ln w="9525" cap="flat" cmpd="sng" algn="ctr">
-            <a:solidFill>
-              <a:schemeClr val="tx1">
-                <a:lumMod val="15000"/>
-                <a:lumOff val="85000"/>
-              </a:schemeClr>
-            </a:solidFill>
-            <a:round/>
-          </a:ln>
-          <a:effectLst/>
-        </c:spPr>
-        <c:txPr>
-          <a:bodyPr rot="-60000000" spcFirstLastPara="1" vertOverflow="ellipsis" vert="horz" wrap="square" anchor="ctr" anchorCtr="1"/>
-          <a:lstStyle/>
-          <a:p>
-            <a:pPr>
               <a:defRPr sz="1197" b="0" i="0" u="none" strike="noStrike" kern="1200" baseline="0">
                 <a:solidFill>
                   <a:schemeClr val="tx1">
@@ -2961,19 +2675,17 @@
             <a:endParaRPr lang="de-DE"/>
           </a:p>
         </c:txPr>
-        <c:crossAx val="-1147468400"/>
-        <c:crosses val="max"/>
+        <c:crossAx val="-1135072528"/>
+        <c:crosses val="autoZero"/>
         <c:auto val="1"/>
         <c:lblAlgn val="ctr"/>
         <c:lblOffset val="100"/>
         <c:noMultiLvlLbl val="0"/>
       </c:catAx>
       <c:valAx>
-        <c:axId val="-1147468400"/>
+        <c:axId val="-1135072528"/>
         <c:scaling>
           <c:orientation val="minMax"/>
-          <c:max val="1"/>
-          <c:min val="0"/>
         </c:scaling>
         <c:delete val="0"/>
         <c:axPos val="l"/>
@@ -2991,7 +2703,7 @@
             <a:effectLst/>
           </c:spPr>
         </c:majorGridlines>
-        <c:numFmt formatCode="0%" sourceLinked="0"/>
+        <c:numFmt formatCode="General" sourceLinked="1"/>
         <c:majorTickMark val="none"/>
         <c:minorTickMark val="none"/>
         <c:tickLblPos val="nextTo"/>
@@ -3022,7 +2734,7 @@
             <a:endParaRPr lang="de-DE"/>
           </a:p>
         </c:txPr>
-        <c:crossAx val="-1147477648"/>
+        <c:crossAx val="-1135079600"/>
         <c:crosses val="autoZero"/>
         <c:crossBetween val="between"/>
       </c:valAx>
@@ -3093,7 +2805,7 @@
 </c:chartSpace>
 </file>
 
-<file path=ppt/charts/chart8.xml><?xml version="1.0" encoding="utf-8"?>
+<file path=ppt/charts/chart7.xml><?xml version="1.0" encoding="utf-8"?>
 <c:chartSpace xmlns:c="http://schemas.openxmlformats.org/drawingml/2006/chart" xmlns:a="http://schemas.openxmlformats.org/drawingml/2006/main" xmlns:r="http://schemas.openxmlformats.org/officeDocument/2006/relationships">
   <c:date1904 val="0"/>
   <c:lang val="de-DE"/>
@@ -3355,11 +3067,11 @@
         </c:dLbls>
         <c:gapWidth val="164"/>
         <c:overlap val="-22"/>
-        <c:axId val="-1218052528"/>
-        <c:axId val="-1218051440"/>
+        <c:axId val="-1323846288"/>
+        <c:axId val="-1323832688"/>
       </c:barChart>
       <c:catAx>
-        <c:axId val="-1218052528"/>
+        <c:axId val="-1323846288"/>
         <c:scaling>
           <c:orientation val="minMax"/>
         </c:scaling>
@@ -3402,7 +3114,7 @@
             <a:endParaRPr lang="de-DE"/>
           </a:p>
         </c:txPr>
-        <c:crossAx val="-1218051440"/>
+        <c:crossAx val="-1323832688"/>
         <c:crosses val="autoZero"/>
         <c:auto val="1"/>
         <c:lblAlgn val="ctr"/>
@@ -3410,7 +3122,7 @@
         <c:noMultiLvlLbl val="0"/>
       </c:catAx>
       <c:valAx>
-        <c:axId val="-1218051440"/>
+        <c:axId val="-1323832688"/>
         <c:scaling>
           <c:orientation val="minMax"/>
           <c:max val="60"/>
@@ -3449,7 +3161,7 @@
             <a:endParaRPr lang="de-DE"/>
           </a:p>
         </c:txPr>
-        <c:crossAx val="-1218052528"/>
+        <c:crossAx val="-1323846288"/>
         <c:crosses val="autoZero"/>
         <c:crossBetween val="between"/>
       </c:valAx>
@@ -3463,6 +3175,406 @@
     </c:plotArea>
     <c:legend>
       <c:legendPos val="t"/>
+      <c:layout/>
+      <c:overlay val="0"/>
+      <c:spPr>
+        <a:noFill/>
+        <a:ln>
+          <a:noFill/>
+        </a:ln>
+        <a:effectLst/>
+      </c:spPr>
+      <c:txPr>
+        <a:bodyPr rot="0" spcFirstLastPara="1" vertOverflow="ellipsis" vert="horz" wrap="square" anchor="ctr" anchorCtr="1"/>
+        <a:lstStyle/>
+        <a:p>
+          <a:pPr>
+            <a:defRPr sz="1197" b="0" i="0" u="none" strike="noStrike" kern="1200" baseline="0">
+              <a:solidFill>
+                <a:schemeClr val="tx1">
+                  <a:lumMod val="65000"/>
+                  <a:lumOff val="35000"/>
+                </a:schemeClr>
+              </a:solidFill>
+              <a:latin typeface="+mn-lt"/>
+              <a:ea typeface="+mn-ea"/>
+              <a:cs typeface="+mn-cs"/>
+            </a:defRPr>
+          </a:pPr>
+          <a:endParaRPr lang="de-DE"/>
+        </a:p>
+      </c:txPr>
+    </c:legend>
+    <c:plotVisOnly val="1"/>
+    <c:dispBlanksAs val="gap"/>
+    <c:showDLblsOverMax val="0"/>
+  </c:chart>
+  <c:spPr>
+    <a:noFill/>
+    <a:ln>
+      <a:noFill/>
+    </a:ln>
+    <a:effectLst/>
+  </c:spPr>
+  <c:txPr>
+    <a:bodyPr/>
+    <a:lstStyle/>
+    <a:p>
+      <a:pPr>
+        <a:defRPr/>
+      </a:pPr>
+      <a:endParaRPr lang="de-DE"/>
+    </a:p>
+  </c:txPr>
+  <c:externalData r:id="rId3">
+    <c:autoUpdate val="0"/>
+  </c:externalData>
+</c:chartSpace>
+</file>
+
+<file path=ppt/charts/chart8.xml><?xml version="1.0" encoding="utf-8"?>
+<c:chartSpace xmlns:c="http://schemas.openxmlformats.org/drawingml/2006/chart" xmlns:a="http://schemas.openxmlformats.org/drawingml/2006/main" xmlns:r="http://schemas.openxmlformats.org/officeDocument/2006/relationships">
+  <c:date1904 val="0"/>
+  <c:lang val="de-DE"/>
+  <c:roundedCorners val="0"/>
+  <mc:AlternateContent xmlns:mc="http://schemas.openxmlformats.org/markup-compatibility/2006">
+    <mc:Choice xmlns:c14="http://schemas.microsoft.com/office/drawing/2007/8/2/chart" Requires="c14">
+      <c14:style val="102"/>
+    </mc:Choice>
+    <mc:Fallback>
+      <c:style val="2"/>
+    </mc:Fallback>
+  </mc:AlternateContent>
+  <c:chart>
+    <c:title>
+      <c:layout/>
+      <c:overlay val="0"/>
+      <c:spPr>
+        <a:noFill/>
+        <a:ln>
+          <a:noFill/>
+        </a:ln>
+        <a:effectLst/>
+      </c:spPr>
+      <c:txPr>
+        <a:bodyPr rot="0" spcFirstLastPara="1" vertOverflow="ellipsis" vert="horz" wrap="square" anchor="ctr" anchorCtr="1"/>
+        <a:lstStyle/>
+        <a:p>
+          <a:pPr>
+            <a:defRPr sz="1862" b="0" i="0" u="none" strike="noStrike" kern="1200" spc="0" baseline="0">
+              <a:solidFill>
+                <a:schemeClr val="tx1">
+                  <a:lumMod val="65000"/>
+                  <a:lumOff val="35000"/>
+                </a:schemeClr>
+              </a:solidFill>
+              <a:latin typeface="+mn-lt"/>
+              <a:ea typeface="+mn-ea"/>
+              <a:cs typeface="+mn-cs"/>
+            </a:defRPr>
+          </a:pPr>
+          <a:endParaRPr lang="de-DE"/>
+        </a:p>
+      </c:txPr>
+    </c:title>
+    <c:autoTitleDeleted val="0"/>
+    <c:plotArea>
+      <c:layout/>
+      <c:lineChart>
+        <c:grouping val="standard"/>
+        <c:varyColors val="0"/>
+        <c:ser>
+          <c:idx val="0"/>
+          <c:order val="0"/>
+          <c:tx>
+            <c:strRef>
+              <c:f>Tabelle1!$B$1</c:f>
+              <c:strCache>
+                <c:ptCount val="1"/>
+                <c:pt idx="0">
+                  <c:v>Ausgaben</c:v>
+                </c:pt>
+              </c:strCache>
+            </c:strRef>
+          </c:tx>
+          <c:spPr>
+            <a:ln w="28575" cap="rnd">
+              <a:solidFill>
+                <a:schemeClr val="accent1"/>
+              </a:solidFill>
+              <a:round/>
+            </a:ln>
+            <a:effectLst/>
+          </c:spPr>
+          <c:marker>
+            <c:symbol val="circle"/>
+            <c:size val="5"/>
+            <c:spPr>
+              <a:solidFill>
+                <a:schemeClr val="accent1"/>
+              </a:solidFill>
+              <a:ln w="9525">
+                <a:solidFill>
+                  <a:schemeClr val="accent1"/>
+                </a:solidFill>
+              </a:ln>
+              <a:effectLst/>
+            </c:spPr>
+          </c:marker>
+          <c:cat>
+            <c:strRef>
+              <c:f>Tabelle1!$A$2:$A$5</c:f>
+              <c:strCache>
+                <c:ptCount val="4"/>
+                <c:pt idx="0">
+                  <c:v>Q1</c:v>
+                </c:pt>
+                <c:pt idx="1">
+                  <c:v>Q2</c:v>
+                </c:pt>
+                <c:pt idx="2">
+                  <c:v>Q3</c:v>
+                </c:pt>
+                <c:pt idx="3">
+                  <c:v>Q4</c:v>
+                </c:pt>
+              </c:strCache>
+            </c:strRef>
+          </c:cat>
+          <c:val>
+            <c:numRef>
+              <c:f>Tabelle1!$B$2:$B$5</c:f>
+              <c:numCache>
+                <c:formatCode>General</c:formatCode>
+                <c:ptCount val="4"/>
+                <c:pt idx="0">
+                  <c:v>4.3</c:v>
+                </c:pt>
+                <c:pt idx="1">
+                  <c:v>2.5</c:v>
+                </c:pt>
+                <c:pt idx="2">
+                  <c:v>3.5</c:v>
+                </c:pt>
+                <c:pt idx="3">
+                  <c:v>4.5</c:v>
+                </c:pt>
+              </c:numCache>
+            </c:numRef>
+          </c:val>
+          <c:smooth val="0"/>
+        </c:ser>
+        <c:ser>
+          <c:idx val="1"/>
+          <c:order val="1"/>
+          <c:tx>
+            <c:strRef>
+              <c:f>Tabelle1!$C$1</c:f>
+              <c:strCache>
+                <c:ptCount val="1"/>
+                <c:pt idx="0">
+                  <c:v>Einnahmen</c:v>
+                </c:pt>
+              </c:strCache>
+            </c:strRef>
+          </c:tx>
+          <c:spPr>
+            <a:ln w="28575" cap="rnd">
+              <a:solidFill>
+                <a:schemeClr val="accent2"/>
+              </a:solidFill>
+              <a:round/>
+            </a:ln>
+            <a:effectLst/>
+          </c:spPr>
+          <c:marker>
+            <c:symbol val="circle"/>
+            <c:size val="5"/>
+            <c:spPr>
+              <a:solidFill>
+                <a:schemeClr val="accent2"/>
+              </a:solidFill>
+              <a:ln w="9525">
+                <a:solidFill>
+                  <a:schemeClr val="accent2"/>
+                </a:solidFill>
+              </a:ln>
+              <a:effectLst/>
+            </c:spPr>
+          </c:marker>
+          <c:cat>
+            <c:strRef>
+              <c:f>Tabelle1!$A$2:$A$5</c:f>
+              <c:strCache>
+                <c:ptCount val="4"/>
+                <c:pt idx="0">
+                  <c:v>Q1</c:v>
+                </c:pt>
+                <c:pt idx="1">
+                  <c:v>Q2</c:v>
+                </c:pt>
+                <c:pt idx="2">
+                  <c:v>Q3</c:v>
+                </c:pt>
+                <c:pt idx="3">
+                  <c:v>Q4</c:v>
+                </c:pt>
+              </c:strCache>
+            </c:strRef>
+          </c:cat>
+          <c:val>
+            <c:numRef>
+              <c:f>Tabelle1!$C$2:$C$5</c:f>
+              <c:numCache>
+                <c:formatCode>General</c:formatCode>
+                <c:ptCount val="4"/>
+                <c:pt idx="0">
+                  <c:v>2.4</c:v>
+                </c:pt>
+                <c:pt idx="1">
+                  <c:v>4.4000000000000004</c:v>
+                </c:pt>
+                <c:pt idx="2">
+                  <c:v>1.8</c:v>
+                </c:pt>
+                <c:pt idx="3">
+                  <c:v>2.8</c:v>
+                </c:pt>
+              </c:numCache>
+            </c:numRef>
+          </c:val>
+          <c:smooth val="0"/>
+        </c:ser>
+        <c:dLbls>
+          <c:showLegendKey val="0"/>
+          <c:showVal val="0"/>
+          <c:showCatName val="0"/>
+          <c:showSerName val="0"/>
+          <c:showPercent val="0"/>
+          <c:showBubbleSize val="0"/>
+        </c:dLbls>
+        <c:marker val="1"/>
+        <c:smooth val="0"/>
+        <c:axId val="-1146306160"/>
+        <c:axId val="-1146295280"/>
+      </c:lineChart>
+      <c:catAx>
+        <c:axId val="-1146306160"/>
+        <c:scaling>
+          <c:orientation val="minMax"/>
+        </c:scaling>
+        <c:delete val="0"/>
+        <c:axPos val="b"/>
+        <c:numFmt formatCode="General" sourceLinked="1"/>
+        <c:majorTickMark val="none"/>
+        <c:minorTickMark val="none"/>
+        <c:tickLblPos val="nextTo"/>
+        <c:spPr>
+          <a:noFill/>
+          <a:ln w="9525" cap="flat" cmpd="sng" algn="ctr">
+            <a:solidFill>
+              <a:schemeClr val="tx1">
+                <a:lumMod val="15000"/>
+                <a:lumOff val="85000"/>
+              </a:schemeClr>
+            </a:solidFill>
+            <a:round/>
+          </a:ln>
+          <a:effectLst/>
+        </c:spPr>
+        <c:txPr>
+          <a:bodyPr rot="-60000000" spcFirstLastPara="1" vertOverflow="ellipsis" vert="horz" wrap="square" anchor="ctr" anchorCtr="1"/>
+          <a:lstStyle/>
+          <a:p>
+            <a:pPr>
+              <a:defRPr sz="1197" b="0" i="0" u="none" strike="noStrike" kern="1200" baseline="0">
+                <a:solidFill>
+                  <a:schemeClr val="tx1">
+                    <a:lumMod val="65000"/>
+                    <a:lumOff val="35000"/>
+                  </a:schemeClr>
+                </a:solidFill>
+                <a:latin typeface="+mn-lt"/>
+                <a:ea typeface="+mn-ea"/>
+                <a:cs typeface="+mn-cs"/>
+              </a:defRPr>
+            </a:pPr>
+            <a:endParaRPr lang="de-DE"/>
+          </a:p>
+        </c:txPr>
+        <c:crossAx val="-1146295280"/>
+        <c:crosses val="autoZero"/>
+        <c:auto val="1"/>
+        <c:lblAlgn val="ctr"/>
+        <c:lblOffset val="100"/>
+        <c:noMultiLvlLbl val="0"/>
+      </c:catAx>
+      <c:valAx>
+        <c:axId val="-1146295280"/>
+        <c:scaling>
+          <c:orientation val="minMax"/>
+        </c:scaling>
+        <c:delete val="0"/>
+        <c:axPos val="l"/>
+        <c:majorGridlines>
+          <c:spPr>
+            <a:ln w="9525" cap="flat" cmpd="sng" algn="ctr">
+              <a:solidFill>
+                <a:schemeClr val="tx1">
+                  <a:lumMod val="15000"/>
+                  <a:lumOff val="85000"/>
+                </a:schemeClr>
+              </a:solidFill>
+              <a:round/>
+            </a:ln>
+            <a:effectLst/>
+          </c:spPr>
+        </c:majorGridlines>
+        <c:numFmt formatCode="General" sourceLinked="1"/>
+        <c:majorTickMark val="none"/>
+        <c:minorTickMark val="none"/>
+        <c:tickLblPos val="nextTo"/>
+        <c:spPr>
+          <a:noFill/>
+          <a:ln>
+            <a:noFill/>
+          </a:ln>
+          <a:effectLst/>
+        </c:spPr>
+        <c:txPr>
+          <a:bodyPr rot="-60000000" spcFirstLastPara="1" vertOverflow="ellipsis" vert="horz" wrap="square" anchor="ctr" anchorCtr="1"/>
+          <a:lstStyle/>
+          <a:p>
+            <a:pPr>
+              <a:defRPr sz="1197" b="0" i="0" u="none" strike="noStrike" kern="1200" baseline="0">
+                <a:solidFill>
+                  <a:schemeClr val="tx1">
+                    <a:lumMod val="65000"/>
+                    <a:lumOff val="35000"/>
+                  </a:schemeClr>
+                </a:solidFill>
+                <a:latin typeface="+mn-lt"/>
+                <a:ea typeface="+mn-ea"/>
+                <a:cs typeface="+mn-cs"/>
+              </a:defRPr>
+            </a:pPr>
+            <a:endParaRPr lang="de-DE"/>
+          </a:p>
+        </c:txPr>
+        <c:crossAx val="-1146306160"/>
+        <c:crosses val="autoZero"/>
+        <c:crossBetween val="between"/>
+      </c:valAx>
+      <c:spPr>
+        <a:noFill/>
+        <a:ln>
+          <a:noFill/>
+        </a:ln>
+        <a:effectLst/>
+      </c:spPr>
+    </c:plotArea>
+    <c:legend>
+      <c:legendPos val="b"/>
       <c:layout/>
       <c:overlay val="0"/>
       <c:spPr>
@@ -5490,7 +5602,7 @@
 </file>
 
 <file path=ppt/charts/style4.xml><?xml version="1.0" encoding="utf-8"?>
-<cs:chartStyle xmlns:cs="http://schemas.microsoft.com/office/drawing/2012/chartStyle" xmlns:a="http://schemas.openxmlformats.org/drawingml/2006/main" id="344">
+<cs:chartStyle xmlns:cs="http://schemas.microsoft.com/office/drawing/2012/chartStyle" xmlns:a="http://schemas.openxmlformats.org/drawingml/2006/main" id="258">
   <cs:axisTitle>
     <cs:lnRef idx="0"/>
     <cs:fillRef idx="0"/>
@@ -5513,8 +5625,20 @@
         <a:lumOff val="35000"/>
       </a:schemeClr>
     </cs:fontRef>
-    <cs:spPr>
-      <a:ln w="12700" cap="flat" cmpd="sng" algn="ctr">
+    <cs:defRPr sz="1197" kern="1200"/>
+  </cs:categoryAxis>
+  <cs:chartArea mods="allowNoFillOverride allowNoLineOverride">
+    <cs:lnRef idx="0"/>
+    <cs:fillRef idx="0"/>
+    <cs:effectRef idx="0"/>
+    <cs:fontRef idx="minor">
+      <a:schemeClr val="tx1"/>
+    </cs:fontRef>
+    <cs:spPr>
+      <a:solidFill>
+        <a:schemeClr val="bg1"/>
+      </a:solidFill>
+      <a:ln w="9525" cap="flat" cmpd="sng" algn="ctr">
         <a:solidFill>
           <a:schemeClr val="tx1">
             <a:lumMod val="15000"/>
@@ -5525,41 +5649,15 @@
       </a:ln>
     </cs:spPr>
     <cs:defRPr sz="1197" kern="1200"/>
-  </cs:categoryAxis>
-  <cs:chartArea mods="allowNoFillOverride allowNoLineOverride">
-    <cs:lnRef idx="0"/>
-    <cs:fillRef idx="0"/>
-    <cs:effectRef idx="0"/>
-    <cs:fontRef idx="minor">
-      <a:schemeClr val="tx2"/>
-    </cs:fontRef>
-    <cs:spPr>
-      <a:solidFill>
-        <a:schemeClr val="bg1"/>
-      </a:solidFill>
-      <a:ln w="9525" cap="flat" cmpd="sng" algn="ctr">
-        <a:solidFill>
-          <a:schemeClr val="tx1">
-            <a:lumMod val="15000"/>
-            <a:lumOff val="85000"/>
-          </a:schemeClr>
-        </a:solidFill>
-        <a:round/>
-      </a:ln>
-    </cs:spPr>
-    <cs:defRPr sz="1197" kern="1200"/>
   </cs:chartArea>
   <cs:dataLabel>
     <cs:lnRef idx="0"/>
     <cs:fillRef idx="0"/>
     <cs:effectRef idx="0"/>
     <cs:fontRef idx="minor">
-      <a:schemeClr val="tx1">
-        <a:lumMod val="75000"/>
-        <a:lumOff val="25000"/>
-      </a:schemeClr>
-    </cs:fontRef>
-    <cs:defRPr sz="1197" kern="1200"/>
+      <a:schemeClr val="lt1"/>
+    </cs:fontRef>
+    <cs:defRPr sz="1197" b="1" kern="1200"/>
   </cs:dataLabel>
   <cs:dataLabelCallout>
     <cs:lnRef idx="0"/>
@@ -5591,35 +5689,60 @@
   </cs:dataLabelCallout>
   <cs:dataPoint>
     <cs:lnRef idx="0"/>
-    <cs:fillRef idx="3">
+    <cs:fillRef idx="0">
       <cs:styleClr val="auto"/>
     </cs:fillRef>
-    <cs:effectRef idx="3"/>
+    <cs:effectRef idx="0"/>
     <cs:fontRef idx="minor">
       <a:schemeClr val="tx1"/>
     </cs:fontRef>
+    <cs:spPr>
+      <a:solidFill>
+        <a:schemeClr val="phClr"/>
+      </a:solidFill>
+      <a:scene3d>
+        <a:camera prst="orthographicFront"/>
+        <a:lightRig rig="brightRoom" dir="t"/>
+      </a:scene3d>
+      <a:sp3d prstMaterial="flat">
+        <a:bevelT w="50800" h="101600" prst="angle"/>
+        <a:contourClr>
+          <a:srgbClr val="000000"/>
+        </a:contourClr>
+      </a:sp3d>
+    </cs:spPr>
   </cs:dataPoint>
   <cs:dataPoint3D>
     <cs:lnRef idx="0"/>
-    <cs:fillRef idx="3">
+    <cs:fillRef idx="0">
       <cs:styleClr val="auto"/>
     </cs:fillRef>
-    <cs:effectRef idx="3"/>
+    <cs:effectRef idx="0"/>
     <cs:fontRef idx="minor">
       <a:schemeClr val="tx1"/>
     </cs:fontRef>
+    <cs:spPr>
+      <a:solidFill>
+        <a:schemeClr val="phClr"/>
+      </a:solidFill>
+      <a:ln w="19050">
+        <a:solidFill>
+          <a:schemeClr val="lt1"/>
+        </a:solidFill>
+      </a:ln>
+    </cs:spPr>
   </cs:dataPoint3D>
   <cs:dataPointLine>
     <cs:lnRef idx="0">
       <cs:styleClr val="auto"/>
     </cs:lnRef>
-    <cs:fillRef idx="3"/>
-    <cs:effectRef idx="3"/>
+    <cs:fillRef idx="0"/>
+    <cs:effectRef idx="0"/>
     <cs:fontRef idx="minor">
       <a:schemeClr val="tx1"/>
     </cs:fontRef>
     <cs:spPr>
-      <a:ln w="34925" cap="rnd">
+      <a:ln w="28575" cap="rnd">
         <a:solidFill>
           <a:schemeClr val="phClr"/>
         </a:solidFill>
@@ -5628,22 +5751,22 @@
     </cs:spPr>
   </cs:dataPointLine>
   <cs:dataPointMarker>
-    <cs:lnRef idx="0">
-      <cs:styleClr val="auto"/>
-    </cs:lnRef>
-    <cs:fillRef idx="3">
+    <cs:lnRef idx="0"/>
+    <cs:fillRef idx="0">
       <cs:styleClr val="auto"/>
     </cs:fillRef>
-    <cs:effectRef idx="3"/>
+    <cs:effectRef idx="0"/>
     <cs:fontRef idx="minor">
       <a:schemeClr val="tx1"/>
     </cs:fontRef>
     <cs:spPr>
+      <a:solidFill>
+        <a:schemeClr val="phClr"/>
+      </a:solidFill>
       <a:ln w="9525">
         <a:solidFill>
-          <a:schemeClr val="phClr"/>
-        </a:solidFill>
-        <a:round/>
+          <a:schemeClr val="lt1"/>
+        </a:solidFill>
       </a:ln>
     </cs:spPr>
   </cs:dataPointMarker>
@@ -5652,8 +5775,8 @@
     <cs:lnRef idx="0">
       <cs:styleClr val="auto"/>
     </cs:lnRef>
-    <cs:fillRef idx="3"/>
-    <cs:effectRef idx="3"/>
+    <cs:fillRef idx="0"/>
+    <cs:effectRef idx="0"/>
     <cs:fontRef idx="minor">
       <a:schemeClr val="tx1"/>
     </cs:fontRef>
@@ -5695,22 +5818,23 @@
     <cs:fillRef idx="0"/>
     <cs:effectRef idx="0"/>
     <cs:fontRef idx="minor">
-      <a:schemeClr val="dk1"/>
+      <a:schemeClr val="tx1"/>
     </cs:fontRef>
     <cs:spPr>
       <a:solidFill>
         <a:schemeClr val="dk1">
-          <a:lumMod val="65000"/>
-          <a:lumOff val="35000"/>
+          <a:lumMod val="75000"/>
+          <a:lumOff val="25000"/>
         </a:schemeClr>
       </a:solidFill>
-      <a:ln w="9525">
+      <a:ln w="9525" cap="flat" cmpd="sng" algn="ctr">
         <a:solidFill>
           <a:schemeClr val="tx1">
             <a:lumMod val="65000"/>
             <a:lumOff val="35000"/>
           </a:schemeClr>
         </a:solidFill>
+        <a:round/>
       </a:ln>
     </cs:spPr>
   </cs:downBar>
@@ -5757,8 +5881,14 @@
     <cs:fillRef idx="0"/>
     <cs:effectRef idx="0"/>
     <cs:fontRef idx="minor">
-      <a:schemeClr val="lt1"/>
-    </cs:fontRef>
+      <a:schemeClr val="tx1"/>
+    </cs:fontRef>
+    <cs:spPr>
+      <a:noFill/>
+      <a:ln>
+        <a:noFill/>
+      </a:ln>
+    </cs:spPr>
   </cs:floor>
   <cs:gridlineMajor>
     <cs:lnRef idx="0"/>
@@ -5809,8 +5939,8 @@
       <a:ln w="9525" cap="flat" cmpd="sng" algn="ctr">
         <a:solidFill>
           <a:schemeClr val="tx1">
-            <a:lumMod val="75000"/>
-            <a:lumOff val="25000"/>
+            <a:lumMod val="50000"/>
+            <a:lumOff val="50000"/>
           </a:schemeClr>
         </a:solidFill>
         <a:round/>
@@ -5848,20 +5978,20 @@
     </cs:fontRef>
     <cs:defRPr sz="1197" kern="1200"/>
   </cs:legend>
-  <cs:plotArea>
-    <cs:lnRef idx="0"/>
-    <cs:fillRef idx="0"/>
-    <cs:effectRef idx="0"/>
-    <cs:fontRef idx="minor">
-      <a:schemeClr val="lt1"/>
+  <cs:plotArea mods="allowNoFillOverride allowNoLineOverride">
+    <cs:lnRef idx="0"/>
+    <cs:fillRef idx="0"/>
+    <cs:effectRef idx="0"/>
+    <cs:fontRef idx="minor">
+      <a:schemeClr val="tx1"/>
     </cs:fontRef>
   </cs:plotArea>
-  <cs:plotArea3D>
-    <cs:lnRef idx="0"/>
-    <cs:fillRef idx="0"/>
-    <cs:effectRef idx="0"/>
-    <cs:fontRef idx="minor">
-      <a:schemeClr val="lt1"/>
+  <cs:plotArea3D mods="allowNoFillOverride allowNoLineOverride">
+    <cs:lnRef idx="0"/>
+    <cs:fillRef idx="0"/>
+    <cs:effectRef idx="0"/>
+    <cs:fontRef idx="minor">
+      <a:schemeClr val="tx1"/>
     </cs:fontRef>
   </cs:plotArea3D>
   <cs:seriesAxis>
@@ -5874,17 +6004,6 @@
         <a:lumOff val="35000"/>
       </a:schemeClr>
     </cs:fontRef>
-    <cs:spPr>
-      <a:ln w="12700" cap="flat" cmpd="sng" algn="ctr">
-        <a:solidFill>
-          <a:schemeClr val="tx1">
-            <a:lumMod val="15000"/>
-            <a:lumOff val="85000"/>
-          </a:schemeClr>
-        </a:solidFill>
-        <a:round/>
-      </a:ln>
-    </cs:spPr>
     <cs:defRPr sz="1197" kern="1200"/>
   </cs:seriesAxis>
   <cs:seriesLine>
@@ -5916,7 +6035,7 @@
         <a:lumOff val="35000"/>
       </a:schemeClr>
     </cs:fontRef>
-    <cs:defRPr sz="2128" b="1" kern="1200" baseline="0"/>
+    <cs:defRPr sz="1862" b="1" i="0" kern="1200" cap="all" spc="50" baseline="0"/>
   </cs:title>
   <cs:trendline>
     <cs:lnRef idx="0">
@@ -5925,13 +6044,14 @@
     <cs:fillRef idx="0"/>
     <cs:effectRef idx="0"/>
     <cs:fontRef idx="minor">
-      <a:schemeClr val="lt1"/>
+      <a:schemeClr val="tx1"/>
     </cs:fontRef>
     <cs:spPr>
       <a:ln w="19050" cap="rnd">
         <a:solidFill>
           <a:schemeClr val="phClr"/>
         </a:solidFill>
+        <a:prstDash val="sysDash"/>
       </a:ln>
     </cs:spPr>
   </cs:trendline>
@@ -5952,19 +6072,20 @@
     <cs:fillRef idx="0"/>
     <cs:effectRef idx="0"/>
     <cs:fontRef idx="minor">
-      <a:schemeClr val="dk1"/>
+      <a:schemeClr val="tx1"/>
     </cs:fontRef>
     <cs:spPr>
       <a:solidFill>
         <a:schemeClr val="lt1"/>
       </a:solidFill>
-      <a:ln w="9525">
+      <a:ln w="9525" cap="flat" cmpd="sng" algn="ctr">
         <a:solidFill>
           <a:schemeClr val="tx1">
-            <a:lumMod val="15000"/>
-            <a:lumOff val="85000"/>
+            <a:lumMod val="65000"/>
+            <a:lumOff val="35000"/>
           </a:schemeClr>
         </a:solidFill>
+        <a:round/>
       </a:ln>
     </cs:spPr>
   </cs:upBar>
@@ -5985,14 +6106,20 @@
     <cs:fillRef idx="0"/>
     <cs:effectRef idx="0"/>
     <cs:fontRef idx="minor">
-      <a:schemeClr val="lt1"/>
-    </cs:fontRef>
+      <a:schemeClr val="tx1"/>
+    </cs:fontRef>
+    <cs:spPr>
+      <a:noFill/>
+      <a:ln>
+        <a:noFill/>
+      </a:ln>
+    </cs:spPr>
   </cs:wall>
 </cs:chartStyle>
 </file>
 
 <file path=ppt/charts/style5.xml><?xml version="1.0" encoding="utf-8"?>
-<cs:chartStyle xmlns:cs="http://schemas.microsoft.com/office/drawing/2012/chartStyle" xmlns:a="http://schemas.openxmlformats.org/drawingml/2006/main" id="201">
+<cs:chartStyle xmlns:cs="http://schemas.microsoft.com/office/drawing/2012/chartStyle" xmlns:a="http://schemas.openxmlformats.org/drawingml/2006/main" id="297">
   <cs:axisTitle>
     <cs:lnRef idx="0"/>
     <cs:fillRef idx="0"/>
@@ -6196,22 +6323,23 @@
     <cs:fillRef idx="0"/>
     <cs:effectRef idx="0"/>
     <cs:fontRef idx="minor">
-      <a:schemeClr val="dk1"/>
+      <a:schemeClr val="tx1"/>
     </cs:fontRef>
     <cs:spPr>
       <a:solidFill>
         <a:schemeClr val="dk1">
-          <a:lumMod val="65000"/>
-          <a:lumOff val="35000"/>
+          <a:lumMod val="75000"/>
+          <a:lumOff val="25000"/>
         </a:schemeClr>
       </a:solidFill>
-      <a:ln w="9525">
+      <a:ln w="9525" cap="flat" cmpd="sng" algn="ctr">
         <a:solidFill>
           <a:schemeClr val="tx1">
             <a:lumMod val="65000"/>
             <a:lumOff val="35000"/>
           </a:schemeClr>
         </a:solidFill>
+        <a:round/>
       </a:ln>
     </cs:spPr>
   </cs:downBar>
@@ -6316,8 +6444,8 @@
       <a:ln w="9525" cap="flat" cmpd="sng" algn="ctr">
         <a:solidFill>
           <a:schemeClr val="tx1">
-            <a:lumMod val="75000"/>
-            <a:lumOff val="25000"/>
+            <a:lumMod val="50000"/>
+            <a:lumOff val="50000"/>
           </a:schemeClr>
         </a:solidFill>
         <a:round/>
@@ -6449,19 +6577,20 @@
     <cs:fillRef idx="0"/>
     <cs:effectRef idx="0"/>
     <cs:fontRef idx="minor">
-      <a:schemeClr val="dk1"/>
+      <a:schemeClr val="tx1"/>
     </cs:fontRef>
     <cs:spPr>
       <a:solidFill>
         <a:schemeClr val="lt1"/>
       </a:solidFill>
-      <a:ln w="9525">
+      <a:ln w="9525" cap="flat" cmpd="sng" algn="ctr">
         <a:solidFill>
           <a:schemeClr val="tx1">
-            <a:lumMod val="15000"/>
-            <a:lumOff val="85000"/>
+            <a:lumMod val="65000"/>
+            <a:lumOff val="35000"/>
           </a:schemeClr>
         </a:solidFill>
+        <a:round/>
       </a:ln>
     </cs:spPr>
   </cs:upBar>
@@ -6495,545 +6624,7 @@
 </file>
 
 <file path=ppt/charts/style6.xml><?xml version="1.0" encoding="utf-8"?>
-<cs:chartStyle xmlns:cs="http://schemas.microsoft.com/office/drawing/2012/chartStyle" xmlns:a="http://schemas.openxmlformats.org/drawingml/2006/main" id="230">
-  <cs:axisTitle>
-    <cs:lnRef idx="0"/>
-    <cs:fillRef idx="0"/>
-    <cs:effectRef idx="0"/>
-    <cs:fontRef idx="minor">
-      <a:schemeClr val="dk1">
-        <a:lumMod val="65000"/>
-        <a:lumOff val="35000"/>
-      </a:schemeClr>
-    </cs:fontRef>
-    <cs:defRPr sz="1197" kern="1200" cap="all"/>
-  </cs:axisTitle>
-  <cs:categoryAxis>
-    <cs:lnRef idx="0"/>
-    <cs:fillRef idx="0"/>
-    <cs:effectRef idx="0"/>
-    <cs:fontRef idx="minor">
-      <a:schemeClr val="dk1">
-        <a:lumMod val="65000"/>
-        <a:lumOff val="35000"/>
-      </a:schemeClr>
-    </cs:fontRef>
-    <cs:spPr>
-      <a:ln w="9525" cap="flat" cmpd="sng" algn="ctr">
-        <a:solidFill>
-          <a:schemeClr val="dk1">
-            <a:lumMod val="15000"/>
-            <a:lumOff val="85000"/>
-          </a:schemeClr>
-        </a:solidFill>
-        <a:round/>
-      </a:ln>
-    </cs:spPr>
-    <cs:defRPr sz="1197" b="0" kern="1200" spc="20" baseline="0"/>
-  </cs:categoryAxis>
-  <cs:chartArea mods="allowNoLineOverride">
-    <cs:lnRef idx="0"/>
-    <cs:fillRef idx="0"/>
-    <cs:effectRef idx="0"/>
-    <cs:fontRef idx="minor">
-      <a:schemeClr val="dk1"/>
-    </cs:fontRef>
-    <cs:spPr>
-      <a:solidFill>
-        <a:schemeClr val="lt1"/>
-      </a:solidFill>
-      <a:ln w="9525" cap="flat" cmpd="sng" algn="ctr">
-        <a:solidFill>
-          <a:schemeClr val="dk1">
-            <a:lumMod val="15000"/>
-            <a:lumOff val="85000"/>
-          </a:schemeClr>
-        </a:solidFill>
-        <a:round/>
-      </a:ln>
-    </cs:spPr>
-    <cs:defRPr sz="1197" kern="1200"/>
-  </cs:chartArea>
-  <cs:dataLabel>
-    <cs:lnRef idx="0"/>
-    <cs:fillRef idx="0"/>
-    <cs:effectRef idx="0"/>
-    <cs:fontRef idx="minor">
-      <a:schemeClr val="dk1">
-        <a:lumMod val="65000"/>
-        <a:lumOff val="35000"/>
-      </a:schemeClr>
-    </cs:fontRef>
-    <cs:defRPr sz="1197" kern="1200"/>
-  </cs:dataLabel>
-  <cs:dataLabelCallout>
-    <cs:lnRef idx="0"/>
-    <cs:fillRef idx="0"/>
-    <cs:effectRef idx="0"/>
-    <cs:fontRef idx="minor">
-      <a:schemeClr val="dk1">
-        <a:lumMod val="65000"/>
-        <a:lumOff val="35000"/>
-      </a:schemeClr>
-    </cs:fontRef>
-    <cs:spPr>
-      <a:solidFill>
-        <a:schemeClr val="lt1"/>
-      </a:solidFill>
-      <a:ln>
-        <a:solidFill>
-          <a:schemeClr val="dk1">
-            <a:lumMod val="25000"/>
-            <a:lumOff val="75000"/>
-          </a:schemeClr>
-        </a:solidFill>
-      </a:ln>
-    </cs:spPr>
-    <cs:defRPr sz="1197" kern="1200"/>
-    <cs:bodyPr rot="0" spcFirstLastPara="1" vertOverflow="clip" horzOverflow="clip" vert="horz" wrap="square" lIns="36576" tIns="18288" rIns="36576" bIns="18288" anchor="ctr" anchorCtr="1">
-      <a:spAutoFit/>
-    </cs:bodyPr>
-  </cs:dataLabelCallout>
-  <cs:dataPoint>
-    <cs:lnRef idx="0">
-      <cs:styleClr val="auto"/>
-    </cs:lnRef>
-    <cs:fillRef idx="2">
-      <cs:styleClr val="auto"/>
-    </cs:fillRef>
-    <cs:effectRef idx="1"/>
-    <cs:fontRef idx="minor">
-      <a:schemeClr val="dk1"/>
-    </cs:fontRef>
-    <cs:spPr>
-      <a:ln w="9525" cap="flat" cmpd="sng" algn="ctr">
-        <a:solidFill>
-          <a:schemeClr val="phClr">
-            <a:shade val="95000"/>
-          </a:schemeClr>
-        </a:solidFill>
-        <a:round/>
-      </a:ln>
-    </cs:spPr>
-  </cs:dataPoint>
-  <cs:dataPoint3D>
-    <cs:lnRef idx="0">
-      <cs:styleClr val="auto"/>
-    </cs:lnRef>
-    <cs:fillRef idx="2">
-      <cs:styleClr val="auto"/>
-    </cs:fillRef>
-    <cs:effectRef idx="1"/>
-    <cs:fontRef idx="minor">
-      <a:schemeClr val="dk1"/>
-    </cs:fontRef>
-    <cs:spPr>
-      <a:ln w="9525" cap="flat" cmpd="sng" algn="ctr">
-        <a:solidFill>
-          <a:schemeClr val="phClr">
-            <a:shade val="95000"/>
-          </a:schemeClr>
-        </a:solidFill>
-        <a:round/>
-      </a:ln>
-    </cs:spPr>
-  </cs:dataPoint3D>
-  <cs:dataPointLine>
-    <cs:lnRef idx="0">
-      <cs:styleClr val="auto"/>
-    </cs:lnRef>
-    <cs:fillRef idx="0"/>
-    <cs:effectRef idx="0"/>
-    <cs:fontRef idx="minor">
-      <a:schemeClr val="dk1"/>
-    </cs:fontRef>
-    <cs:spPr>
-      <a:ln w="22225" cap="rnd" cmpd="sng" algn="ctr">
-        <a:solidFill>
-          <a:schemeClr val="phClr"/>
-        </a:solidFill>
-        <a:round/>
-      </a:ln>
-    </cs:spPr>
-  </cs:dataPointLine>
-  <cs:dataPointMarker>
-    <cs:lnRef idx="0">
-      <cs:styleClr val="auto"/>
-    </cs:lnRef>
-    <cs:fillRef idx="0">
-      <cs:styleClr val="auto"/>
-    </cs:fillRef>
-    <cs:effectRef idx="0"/>
-    <cs:fontRef idx="minor">
-      <a:schemeClr val="dk1"/>
-    </cs:fontRef>
-    <cs:spPr>
-      <a:solidFill>
-        <a:schemeClr val="phClr"/>
-      </a:solidFill>
-      <a:ln w="9525" cap="flat" cmpd="sng" algn="ctr">
-        <a:solidFill>
-          <a:schemeClr val="phClr"/>
-        </a:solidFill>
-        <a:round/>
-      </a:ln>
-    </cs:spPr>
-  </cs:dataPointMarker>
-  <cs:dataPointMarkerLayout symbol="circle" size="4"/>
-  <cs:dataPointWireframe>
-    <cs:lnRef idx="0">
-      <cs:styleClr val="auto"/>
-    </cs:lnRef>
-    <cs:fillRef idx="0"/>
-    <cs:effectRef idx="0"/>
-    <cs:fontRef idx="minor">
-      <a:schemeClr val="dk1"/>
-    </cs:fontRef>
-    <cs:spPr>
-      <a:ln w="9525" cap="rnd">
-        <a:solidFill>
-          <a:schemeClr val="phClr"/>
-        </a:solidFill>
-        <a:round/>
-      </a:ln>
-    </cs:spPr>
-  </cs:dataPointWireframe>
-  <cs:dataTable>
-    <cs:lnRef idx="0"/>
-    <cs:fillRef idx="0"/>
-    <cs:effectRef idx="0"/>
-    <cs:fontRef idx="minor">
-      <a:schemeClr val="dk1">
-        <a:lumMod val="65000"/>
-        <a:lumOff val="35000"/>
-      </a:schemeClr>
-    </cs:fontRef>
-    <cs:spPr>
-      <a:ln w="9525">
-        <a:solidFill>
-          <a:schemeClr val="dk1">
-            <a:lumMod val="15000"/>
-            <a:lumOff val="85000"/>
-          </a:schemeClr>
-        </a:solidFill>
-      </a:ln>
-    </cs:spPr>
-    <cs:defRPr sz="1197" kern="1200"/>
-  </cs:dataTable>
-  <cs:downBar>
-    <cs:lnRef idx="0"/>
-    <cs:fillRef idx="0"/>
-    <cs:effectRef idx="0"/>
-    <cs:fontRef idx="minor">
-      <a:schemeClr val="dk1"/>
-    </cs:fontRef>
-    <cs:spPr>
-      <a:solidFill>
-        <a:schemeClr val="dk1">
-          <a:lumMod val="75000"/>
-          <a:lumOff val="25000"/>
-        </a:schemeClr>
-      </a:solidFill>
-      <a:ln w="9525">
-        <a:solidFill>
-          <a:schemeClr val="dk1">
-            <a:lumMod val="65000"/>
-            <a:lumOff val="35000"/>
-          </a:schemeClr>
-        </a:solidFill>
-      </a:ln>
-    </cs:spPr>
-  </cs:downBar>
-  <cs:dropLine>
-    <cs:lnRef idx="0"/>
-    <cs:fillRef idx="0"/>
-    <cs:effectRef idx="0"/>
-    <cs:fontRef idx="minor">
-      <a:schemeClr val="dk1"/>
-    </cs:fontRef>
-    <cs:spPr>
-      <a:ln w="9525" cap="flat" cmpd="sng" algn="ctr">
-        <a:solidFill>
-          <a:schemeClr val="dk1">
-            <a:lumMod val="35000"/>
-            <a:lumOff val="65000"/>
-            <a:alpha val="33000"/>
-          </a:schemeClr>
-        </a:solidFill>
-        <a:round/>
-      </a:ln>
-    </cs:spPr>
-  </cs:dropLine>
-  <cs:errorBar>
-    <cs:lnRef idx="0"/>
-    <cs:fillRef idx="0"/>
-    <cs:effectRef idx="0"/>
-    <cs:fontRef idx="minor">
-      <a:schemeClr val="dk1"/>
-    </cs:fontRef>
-    <cs:spPr>
-      <a:ln w="9525">
-        <a:solidFill>
-          <a:schemeClr val="dk1">
-            <a:lumMod val="65000"/>
-            <a:lumOff val="35000"/>
-          </a:schemeClr>
-        </a:solidFill>
-      </a:ln>
-    </cs:spPr>
-  </cs:errorBar>
-  <cs:floor>
-    <cs:lnRef idx="0"/>
-    <cs:fillRef idx="0"/>
-    <cs:effectRef idx="0"/>
-    <cs:fontRef idx="minor">
-      <a:schemeClr val="dk1"/>
-    </cs:fontRef>
-  </cs:floor>
-  <cs:gridlineMajor>
-    <cs:lnRef idx="0"/>
-    <cs:fillRef idx="0"/>
-    <cs:effectRef idx="0"/>
-    <cs:fontRef idx="minor">
-      <a:schemeClr val="dk1"/>
-    </cs:fontRef>
-    <cs:spPr>
-      <a:ln>
-        <a:solidFill>
-          <a:schemeClr val="dk1">
-            <a:lumMod val="15000"/>
-            <a:lumOff val="85000"/>
-          </a:schemeClr>
-        </a:solidFill>
-      </a:ln>
-    </cs:spPr>
-  </cs:gridlineMajor>
-  <cs:gridlineMinor>
-    <cs:lnRef idx="0"/>
-    <cs:fillRef idx="0"/>
-    <cs:effectRef idx="0"/>
-    <cs:fontRef idx="minor">
-      <a:schemeClr val="dk1"/>
-    </cs:fontRef>
-    <cs:spPr>
-      <a:ln>
-        <a:solidFill>
-          <a:schemeClr val="dk1">
-            <a:lumMod val="5000"/>
-            <a:lumOff val="95000"/>
-          </a:schemeClr>
-        </a:solidFill>
-      </a:ln>
-    </cs:spPr>
-  </cs:gridlineMinor>
-  <cs:hiLoLine>
-    <cs:lnRef idx="0"/>
-    <cs:fillRef idx="0"/>
-    <cs:effectRef idx="0"/>
-    <cs:fontRef idx="minor">
-      <a:schemeClr val="dk1"/>
-    </cs:fontRef>
-    <cs:spPr>
-      <a:ln w="9525">
-        <a:solidFill>
-          <a:schemeClr val="dk1">
-            <a:lumMod val="35000"/>
-            <a:lumOff val="65000"/>
-          </a:schemeClr>
-        </a:solidFill>
-      </a:ln>
-    </cs:spPr>
-  </cs:hiLoLine>
-  <cs:leaderLine>
-    <cs:lnRef idx="0"/>
-    <cs:fillRef idx="0"/>
-    <cs:effectRef idx="0"/>
-    <cs:fontRef idx="minor">
-      <a:schemeClr val="dk1"/>
-    </cs:fontRef>
-    <cs:spPr>
-      <a:ln w="9525">
-        <a:solidFill>
-          <a:schemeClr val="dk1">
-            <a:lumMod val="35000"/>
-            <a:lumOff val="65000"/>
-          </a:schemeClr>
-        </a:solidFill>
-      </a:ln>
-    </cs:spPr>
-  </cs:leaderLine>
-  <cs:legend>
-    <cs:lnRef idx="0"/>
-    <cs:fillRef idx="0"/>
-    <cs:effectRef idx="0"/>
-    <cs:fontRef idx="minor">
-      <a:schemeClr val="dk1">
-        <a:lumMod val="65000"/>
-        <a:lumOff val="35000"/>
-      </a:schemeClr>
-    </cs:fontRef>
-    <cs:defRPr sz="1197" kern="1200"/>
-  </cs:legend>
-  <cs:plotArea>
-    <cs:lnRef idx="0"/>
-    <cs:fillRef idx="0"/>
-    <cs:effectRef idx="0"/>
-    <cs:fontRef idx="minor">
-      <a:schemeClr val="dk1"/>
-    </cs:fontRef>
-    <cs:spPr>
-      <a:gradFill>
-        <a:gsLst>
-          <a:gs pos="100000">
-            <a:schemeClr val="lt1">
-              <a:lumMod val="95000"/>
-            </a:schemeClr>
-          </a:gs>
-          <a:gs pos="0">
-            <a:schemeClr val="lt1"/>
-          </a:gs>
-        </a:gsLst>
-        <a:lin ang="5400000" scaled="0"/>
-      </a:gradFill>
-    </cs:spPr>
-  </cs:plotArea>
-  <cs:plotArea3D>
-    <cs:lnRef idx="0"/>
-    <cs:fillRef idx="0"/>
-    <cs:effectRef idx="0"/>
-    <cs:fontRef idx="minor">
-      <a:schemeClr val="dk1"/>
-    </cs:fontRef>
-  </cs:plotArea3D>
-  <cs:seriesAxis>
-    <cs:lnRef idx="0"/>
-    <cs:fillRef idx="0"/>
-    <cs:effectRef idx="0"/>
-    <cs:fontRef idx="minor">
-      <a:schemeClr val="dk1">
-        <a:lumMod val="65000"/>
-        <a:lumOff val="35000"/>
-      </a:schemeClr>
-    </cs:fontRef>
-    <cs:spPr>
-      <a:ln w="9525" cap="flat" cmpd="sng" algn="ctr">
-        <a:solidFill>
-          <a:schemeClr val="dk1">
-            <a:lumMod val="15000"/>
-            <a:lumOff val="85000"/>
-          </a:schemeClr>
-        </a:solidFill>
-        <a:round/>
-      </a:ln>
-    </cs:spPr>
-    <cs:defRPr sz="1197" kern="1200"/>
-  </cs:seriesAxis>
-  <cs:seriesLine>
-    <cs:lnRef idx="0"/>
-    <cs:fillRef idx="0"/>
-    <cs:effectRef idx="0"/>
-    <cs:fontRef idx="minor">
-      <a:schemeClr val="dk1"/>
-    </cs:fontRef>
-    <cs:spPr>
-      <a:ln w="9525">
-        <a:solidFill>
-          <a:schemeClr val="dk1">
-            <a:lumMod val="35000"/>
-            <a:lumOff val="65000"/>
-          </a:schemeClr>
-        </a:solidFill>
-        <a:prstDash val="dash"/>
-      </a:ln>
-    </cs:spPr>
-  </cs:seriesLine>
-  <cs:title>
-    <cs:lnRef idx="0"/>
-    <cs:fillRef idx="0"/>
-    <cs:effectRef idx="0"/>
-    <cs:fontRef idx="minor">
-      <a:schemeClr val="dk1">
-        <a:lumMod val="50000"/>
-        <a:lumOff val="50000"/>
-      </a:schemeClr>
-    </cs:fontRef>
-    <cs:defRPr sz="1862" kern="1200" cap="none" spc="20" baseline="0"/>
-  </cs:title>
-  <cs:trendline>
-    <cs:lnRef idx="0">
-      <cs:styleClr val="auto"/>
-    </cs:lnRef>
-    <cs:fillRef idx="0"/>
-    <cs:effectRef idx="0"/>
-    <cs:fontRef idx="minor">
-      <a:schemeClr val="dk1"/>
-    </cs:fontRef>
-    <cs:spPr>
-      <a:ln w="9525" cap="rnd">
-        <a:solidFill>
-          <a:schemeClr val="phClr"/>
-        </a:solidFill>
-      </a:ln>
-    </cs:spPr>
-  </cs:trendline>
-  <cs:trendlineLabel>
-    <cs:lnRef idx="0"/>
-    <cs:fillRef idx="0"/>
-    <cs:effectRef idx="0"/>
-    <cs:fontRef idx="minor">
-      <a:schemeClr val="dk1">
-        <a:lumMod val="65000"/>
-        <a:lumOff val="35000"/>
-      </a:schemeClr>
-    </cs:fontRef>
-    <cs:defRPr sz="1197" kern="1200"/>
-  </cs:trendlineLabel>
-  <cs:upBar>
-    <cs:lnRef idx="0"/>
-    <cs:fillRef idx="0"/>
-    <cs:effectRef idx="0"/>
-    <cs:fontRef idx="minor">
-      <a:schemeClr val="dk1"/>
-    </cs:fontRef>
-    <cs:spPr>
-      <a:solidFill>
-        <a:schemeClr val="lt1"/>
-      </a:solidFill>
-      <a:ln w="9525">
-        <a:solidFill>
-          <a:schemeClr val="dk1">
-            <a:lumMod val="65000"/>
-            <a:lumOff val="35000"/>
-          </a:schemeClr>
-        </a:solidFill>
-      </a:ln>
-    </cs:spPr>
-  </cs:upBar>
-  <cs:valueAxis>
-    <cs:lnRef idx="0"/>
-    <cs:fillRef idx="0"/>
-    <cs:effectRef idx="0"/>
-    <cs:fontRef idx="minor">
-      <a:schemeClr val="dk1">
-        <a:lumMod val="65000"/>
-        <a:lumOff val="35000"/>
-      </a:schemeClr>
-    </cs:fontRef>
-    <cs:defRPr sz="1197" kern="1200" spc="20" baseline="0"/>
-  </cs:valueAxis>
-  <cs:wall>
-    <cs:lnRef idx="0"/>
-    <cs:fillRef idx="0"/>
-    <cs:effectRef idx="0"/>
-    <cs:fontRef idx="minor">
-      <a:schemeClr val="dk1"/>
-    </cs:fontRef>
-  </cs:wall>
-</cs:chartStyle>
-</file>
-
-<file path=ppt/charts/style7.xml><?xml version="1.0" encoding="utf-8"?>
-<cs:chartStyle xmlns:cs="http://schemas.microsoft.com/office/drawing/2012/chartStyle" xmlns:a="http://schemas.openxmlformats.org/drawingml/2006/main" id="297">
+<cs:chartStyle xmlns:cs="http://schemas.microsoft.com/office/drawing/2012/chartStyle" xmlns:a="http://schemas.openxmlformats.org/drawingml/2006/main" id="286">
   <cs:axisTitle>
     <cs:lnRef idx="0"/>
     <cs:fillRef idx="0"/>
@@ -7056,17 +6647,6 @@
         <a:lumOff val="35000"/>
       </a:schemeClr>
     </cs:fontRef>
-    <cs:spPr>
-      <a:ln w="9525" cap="flat" cmpd="sng" algn="ctr">
-        <a:solidFill>
-          <a:schemeClr val="tx1">
-            <a:lumMod val="15000"/>
-            <a:lumOff val="85000"/>
-          </a:schemeClr>
-        </a:solidFill>
-        <a:round/>
-      </a:ln>
-    </cs:spPr>
     <cs:defRPr sz="1197" kern="1200"/>
   </cs:categoryAxis>
   <cs:chartArea mods="allowNoFillOverride allowNoLineOverride">
@@ -7537,7 +7117,7 @@
 </cs:chartStyle>
 </file>
 
-<file path=ppt/charts/style8.xml><?xml version="1.0" encoding="utf-8"?>
+<file path=ppt/charts/style7.xml><?xml version="1.0" encoding="utf-8"?>
 <cs:chartStyle xmlns:cs="http://schemas.microsoft.com/office/drawing/2012/chartStyle" xmlns:a="http://schemas.openxmlformats.org/drawingml/2006/main" id="203">
   <cs:axisTitle>
     <cs:lnRef idx="0"/>
@@ -8052,6 +7632,509 @@
     <cs:fontRef idx="minor">
       <a:schemeClr val="dk1"/>
     </cs:fontRef>
+  </cs:wall>
+</cs:chartStyle>
+</file>
+
+<file path=ppt/charts/style8.xml><?xml version="1.0" encoding="utf-8"?>
+<cs:chartStyle xmlns:cs="http://schemas.microsoft.com/office/drawing/2012/chartStyle" xmlns:a="http://schemas.openxmlformats.org/drawingml/2006/main" id="332">
+  <cs:axisTitle>
+    <cs:lnRef idx="0"/>
+    <cs:fillRef idx="0"/>
+    <cs:effectRef idx="0"/>
+    <cs:fontRef idx="minor">
+      <a:schemeClr val="tx1">
+        <a:lumMod val="65000"/>
+        <a:lumOff val="35000"/>
+      </a:schemeClr>
+    </cs:fontRef>
+    <cs:defRPr sz="1330" kern="1200"/>
+  </cs:axisTitle>
+  <cs:categoryAxis>
+    <cs:lnRef idx="0"/>
+    <cs:fillRef idx="0"/>
+    <cs:effectRef idx="0"/>
+    <cs:fontRef idx="minor">
+      <a:schemeClr val="tx1">
+        <a:lumMod val="65000"/>
+        <a:lumOff val="35000"/>
+      </a:schemeClr>
+    </cs:fontRef>
+    <cs:spPr>
+      <a:ln w="9525" cap="flat" cmpd="sng" algn="ctr">
+        <a:solidFill>
+          <a:schemeClr val="tx1">
+            <a:lumMod val="15000"/>
+            <a:lumOff val="85000"/>
+          </a:schemeClr>
+        </a:solidFill>
+        <a:round/>
+      </a:ln>
+    </cs:spPr>
+    <cs:defRPr sz="1197" kern="1200"/>
+  </cs:categoryAxis>
+  <cs:chartArea mods="allowNoFillOverride allowNoLineOverride">
+    <cs:lnRef idx="0"/>
+    <cs:fillRef idx="0"/>
+    <cs:effectRef idx="0"/>
+    <cs:fontRef idx="minor">
+      <a:schemeClr val="tx1"/>
+    </cs:fontRef>
+    <cs:spPr>
+      <a:solidFill>
+        <a:schemeClr val="bg1"/>
+      </a:solidFill>
+      <a:ln w="9525" cap="flat" cmpd="sng" algn="ctr">
+        <a:solidFill>
+          <a:schemeClr val="tx1">
+            <a:lumMod val="15000"/>
+            <a:lumOff val="85000"/>
+          </a:schemeClr>
+        </a:solidFill>
+        <a:round/>
+      </a:ln>
+    </cs:spPr>
+    <cs:defRPr sz="1330" kern="1200"/>
+  </cs:chartArea>
+  <cs:dataLabel>
+    <cs:lnRef idx="0"/>
+    <cs:fillRef idx="0"/>
+    <cs:effectRef idx="0"/>
+    <cs:fontRef idx="minor">
+      <a:schemeClr val="tx1">
+        <a:lumMod val="75000"/>
+        <a:lumOff val="25000"/>
+      </a:schemeClr>
+    </cs:fontRef>
+    <cs:defRPr sz="1197" kern="1200"/>
+  </cs:dataLabel>
+  <cs:dataLabelCallout>
+    <cs:lnRef idx="0"/>
+    <cs:fillRef idx="0"/>
+    <cs:effectRef idx="0"/>
+    <cs:fontRef idx="minor">
+      <a:schemeClr val="dk1">
+        <a:lumMod val="65000"/>
+        <a:lumOff val="35000"/>
+      </a:schemeClr>
+    </cs:fontRef>
+    <cs:spPr>
+      <a:solidFill>
+        <a:schemeClr val="lt1"/>
+      </a:solidFill>
+      <a:ln>
+        <a:solidFill>
+          <a:schemeClr val="dk1">
+            <a:lumMod val="25000"/>
+            <a:lumOff val="75000"/>
+          </a:schemeClr>
+        </a:solidFill>
+      </a:ln>
+    </cs:spPr>
+    <cs:defRPr sz="1197" kern="1200"/>
+    <cs:bodyPr rot="0" spcFirstLastPara="1" vertOverflow="clip" horzOverflow="clip" vert="horz" wrap="square" lIns="36576" tIns="18288" rIns="36576" bIns="18288" anchor="ctr" anchorCtr="1">
+      <a:spAutoFit/>
+    </cs:bodyPr>
+  </cs:dataLabelCallout>
+  <cs:dataPoint>
+    <cs:lnRef idx="0"/>
+    <cs:fillRef idx="1">
+      <cs:styleClr val="auto"/>
+    </cs:fillRef>
+    <cs:effectRef idx="0"/>
+    <cs:fontRef idx="minor">
+      <a:schemeClr val="tx1"/>
+    </cs:fontRef>
+  </cs:dataPoint>
+  <cs:dataPoint3D>
+    <cs:lnRef idx="0"/>
+    <cs:fillRef idx="1">
+      <cs:styleClr val="auto"/>
+    </cs:fillRef>
+    <cs:effectRef idx="0"/>
+    <cs:fontRef idx="minor">
+      <a:schemeClr val="tx1"/>
+    </cs:fontRef>
+  </cs:dataPoint3D>
+  <cs:dataPointLine>
+    <cs:lnRef idx="0">
+      <cs:styleClr val="auto"/>
+    </cs:lnRef>
+    <cs:fillRef idx="1"/>
+    <cs:effectRef idx="0"/>
+    <cs:fontRef idx="minor">
+      <a:schemeClr val="tx1"/>
+    </cs:fontRef>
+    <cs:spPr>
+      <a:ln w="28575" cap="rnd">
+        <a:solidFill>
+          <a:schemeClr val="phClr"/>
+        </a:solidFill>
+        <a:round/>
+      </a:ln>
+    </cs:spPr>
+  </cs:dataPointLine>
+  <cs:dataPointMarker>
+    <cs:lnRef idx="0">
+      <cs:styleClr val="auto"/>
+    </cs:lnRef>
+    <cs:fillRef idx="1">
+      <cs:styleClr val="auto"/>
+    </cs:fillRef>
+    <cs:effectRef idx="0"/>
+    <cs:fontRef idx="minor">
+      <a:schemeClr val="tx1"/>
+    </cs:fontRef>
+    <cs:spPr>
+      <a:ln w="9525">
+        <a:solidFill>
+          <a:schemeClr val="phClr"/>
+        </a:solidFill>
+      </a:ln>
+    </cs:spPr>
+  </cs:dataPointMarker>
+  <cs:dataPointMarkerLayout symbol="circle" size="5"/>
+  <cs:dataPointWireframe>
+    <cs:lnRef idx="0">
+      <cs:styleClr val="auto"/>
+    </cs:lnRef>
+    <cs:fillRef idx="1"/>
+    <cs:effectRef idx="0"/>
+    <cs:fontRef idx="minor">
+      <a:schemeClr val="tx1"/>
+    </cs:fontRef>
+    <cs:spPr>
+      <a:ln w="9525" cap="rnd">
+        <a:solidFill>
+          <a:schemeClr val="phClr"/>
+        </a:solidFill>
+        <a:round/>
+      </a:ln>
+    </cs:spPr>
+  </cs:dataPointWireframe>
+  <cs:dataTable>
+    <cs:lnRef idx="0"/>
+    <cs:fillRef idx="0"/>
+    <cs:effectRef idx="0"/>
+    <cs:fontRef idx="minor">
+      <a:schemeClr val="tx1">
+        <a:lumMod val="65000"/>
+        <a:lumOff val="35000"/>
+      </a:schemeClr>
+    </cs:fontRef>
+    <cs:spPr>
+      <a:noFill/>
+      <a:ln w="9525" cap="flat" cmpd="sng" algn="ctr">
+        <a:solidFill>
+          <a:schemeClr val="tx1">
+            <a:lumMod val="15000"/>
+            <a:lumOff val="85000"/>
+          </a:schemeClr>
+        </a:solidFill>
+        <a:round/>
+      </a:ln>
+    </cs:spPr>
+    <cs:defRPr sz="1197" kern="1200"/>
+  </cs:dataTable>
+  <cs:downBar>
+    <cs:lnRef idx="0"/>
+    <cs:fillRef idx="0"/>
+    <cs:effectRef idx="0"/>
+    <cs:fontRef idx="minor">
+      <a:schemeClr val="dk1"/>
+    </cs:fontRef>
+    <cs:spPr>
+      <a:solidFill>
+        <a:schemeClr val="dk1">
+          <a:lumMod val="65000"/>
+          <a:lumOff val="35000"/>
+        </a:schemeClr>
+      </a:solidFill>
+      <a:ln w="9525">
+        <a:solidFill>
+          <a:schemeClr val="tx1">
+            <a:lumMod val="65000"/>
+            <a:lumOff val="35000"/>
+          </a:schemeClr>
+        </a:solidFill>
+      </a:ln>
+    </cs:spPr>
+  </cs:downBar>
+  <cs:dropLine>
+    <cs:lnRef idx="0"/>
+    <cs:fillRef idx="0"/>
+    <cs:effectRef idx="0"/>
+    <cs:fontRef idx="minor">
+      <a:schemeClr val="tx1"/>
+    </cs:fontRef>
+    <cs:spPr>
+      <a:ln w="9525" cap="flat" cmpd="sng" algn="ctr">
+        <a:solidFill>
+          <a:schemeClr val="tx1">
+            <a:lumMod val="35000"/>
+            <a:lumOff val="65000"/>
+          </a:schemeClr>
+        </a:solidFill>
+        <a:round/>
+      </a:ln>
+    </cs:spPr>
+  </cs:dropLine>
+  <cs:errorBar>
+    <cs:lnRef idx="0"/>
+    <cs:fillRef idx="0"/>
+    <cs:effectRef idx="0"/>
+    <cs:fontRef idx="minor">
+      <a:schemeClr val="tx1"/>
+    </cs:fontRef>
+    <cs:spPr>
+      <a:ln w="9525" cap="flat" cmpd="sng" algn="ctr">
+        <a:solidFill>
+          <a:schemeClr val="tx1">
+            <a:lumMod val="65000"/>
+            <a:lumOff val="35000"/>
+          </a:schemeClr>
+        </a:solidFill>
+        <a:round/>
+      </a:ln>
+    </cs:spPr>
+  </cs:errorBar>
+  <cs:floor>
+    <cs:lnRef idx="0"/>
+    <cs:fillRef idx="0"/>
+    <cs:effectRef idx="0"/>
+    <cs:fontRef idx="minor">
+      <a:schemeClr val="tx1"/>
+    </cs:fontRef>
+    <cs:spPr>
+      <a:noFill/>
+      <a:ln>
+        <a:noFill/>
+      </a:ln>
+    </cs:spPr>
+  </cs:floor>
+  <cs:gridlineMajor>
+    <cs:lnRef idx="0"/>
+    <cs:fillRef idx="0"/>
+    <cs:effectRef idx="0"/>
+    <cs:fontRef idx="minor">
+      <a:schemeClr val="tx1"/>
+    </cs:fontRef>
+    <cs:spPr>
+      <a:ln w="9525" cap="flat" cmpd="sng" algn="ctr">
+        <a:solidFill>
+          <a:schemeClr val="tx1">
+            <a:lumMod val="15000"/>
+            <a:lumOff val="85000"/>
+          </a:schemeClr>
+        </a:solidFill>
+        <a:round/>
+      </a:ln>
+    </cs:spPr>
+  </cs:gridlineMajor>
+  <cs:gridlineMinor>
+    <cs:lnRef idx="0"/>
+    <cs:fillRef idx="0"/>
+    <cs:effectRef idx="0"/>
+    <cs:fontRef idx="minor">
+      <a:schemeClr val="tx1"/>
+    </cs:fontRef>
+    <cs:spPr>
+      <a:ln w="9525" cap="flat" cmpd="sng" algn="ctr">
+        <a:solidFill>
+          <a:schemeClr val="tx1">
+            <a:lumMod val="5000"/>
+            <a:lumOff val="95000"/>
+          </a:schemeClr>
+        </a:solidFill>
+        <a:round/>
+      </a:ln>
+    </cs:spPr>
+  </cs:gridlineMinor>
+  <cs:hiLoLine>
+    <cs:lnRef idx="0"/>
+    <cs:fillRef idx="0"/>
+    <cs:effectRef idx="0"/>
+    <cs:fontRef idx="minor">
+      <a:schemeClr val="tx1"/>
+    </cs:fontRef>
+    <cs:spPr>
+      <a:ln w="9525" cap="flat" cmpd="sng" algn="ctr">
+        <a:solidFill>
+          <a:schemeClr val="tx1">
+            <a:lumMod val="75000"/>
+            <a:lumOff val="25000"/>
+          </a:schemeClr>
+        </a:solidFill>
+        <a:round/>
+      </a:ln>
+    </cs:spPr>
+  </cs:hiLoLine>
+  <cs:leaderLine>
+    <cs:lnRef idx="0"/>
+    <cs:fillRef idx="0"/>
+    <cs:effectRef idx="0"/>
+    <cs:fontRef idx="minor">
+      <a:schemeClr val="tx1"/>
+    </cs:fontRef>
+    <cs:spPr>
+      <a:ln w="9525" cap="flat" cmpd="sng" algn="ctr">
+        <a:solidFill>
+          <a:schemeClr val="tx1">
+            <a:lumMod val="35000"/>
+            <a:lumOff val="65000"/>
+          </a:schemeClr>
+        </a:solidFill>
+        <a:round/>
+      </a:ln>
+    </cs:spPr>
+  </cs:leaderLine>
+  <cs:legend>
+    <cs:lnRef idx="0"/>
+    <cs:fillRef idx="0"/>
+    <cs:effectRef idx="0"/>
+    <cs:fontRef idx="minor">
+      <a:schemeClr val="tx1">
+        <a:lumMod val="65000"/>
+        <a:lumOff val="35000"/>
+      </a:schemeClr>
+    </cs:fontRef>
+    <cs:defRPr sz="1197" kern="1200"/>
+  </cs:legend>
+  <cs:plotArea mods="allowNoFillOverride allowNoLineOverride">
+    <cs:lnRef idx="0"/>
+    <cs:fillRef idx="0"/>
+    <cs:effectRef idx="0"/>
+    <cs:fontRef idx="minor">
+      <a:schemeClr val="tx1"/>
+    </cs:fontRef>
+  </cs:plotArea>
+  <cs:plotArea3D mods="allowNoFillOverride allowNoLineOverride">
+    <cs:lnRef idx="0"/>
+    <cs:fillRef idx="0"/>
+    <cs:effectRef idx="0"/>
+    <cs:fontRef idx="minor">
+      <a:schemeClr val="tx1"/>
+    </cs:fontRef>
+  </cs:plotArea3D>
+  <cs:seriesAxis>
+    <cs:lnRef idx="0"/>
+    <cs:fillRef idx="0"/>
+    <cs:effectRef idx="0"/>
+    <cs:fontRef idx="minor">
+      <a:schemeClr val="tx1">
+        <a:lumMod val="65000"/>
+        <a:lumOff val="35000"/>
+      </a:schemeClr>
+    </cs:fontRef>
+    <cs:defRPr sz="1197" kern="1200"/>
+  </cs:seriesAxis>
+  <cs:seriesLine>
+    <cs:lnRef idx="0"/>
+    <cs:fillRef idx="0"/>
+    <cs:effectRef idx="0"/>
+    <cs:fontRef idx="minor">
+      <a:schemeClr val="tx1"/>
+    </cs:fontRef>
+    <cs:spPr>
+      <a:ln w="9525" cap="flat" cmpd="sng" algn="ctr">
+        <a:solidFill>
+          <a:schemeClr val="tx1">
+            <a:lumMod val="35000"/>
+            <a:lumOff val="65000"/>
+          </a:schemeClr>
+        </a:solidFill>
+        <a:round/>
+      </a:ln>
+    </cs:spPr>
+  </cs:seriesLine>
+  <cs:title>
+    <cs:lnRef idx="0"/>
+    <cs:fillRef idx="0"/>
+    <cs:effectRef idx="0"/>
+    <cs:fontRef idx="minor">
+      <a:schemeClr val="tx1">
+        <a:lumMod val="65000"/>
+        <a:lumOff val="35000"/>
+      </a:schemeClr>
+    </cs:fontRef>
+    <cs:defRPr sz="1862" b="0" kern="1200" spc="0" baseline="0"/>
+  </cs:title>
+  <cs:trendline>
+    <cs:lnRef idx="0">
+      <cs:styleClr val="auto"/>
+    </cs:lnRef>
+    <cs:fillRef idx="0"/>
+    <cs:effectRef idx="0"/>
+    <cs:fontRef idx="minor">
+      <a:schemeClr val="tx1"/>
+    </cs:fontRef>
+    <cs:spPr>
+      <a:ln w="19050" cap="rnd">
+        <a:solidFill>
+          <a:schemeClr val="phClr"/>
+        </a:solidFill>
+        <a:prstDash val="sysDot"/>
+      </a:ln>
+    </cs:spPr>
+  </cs:trendline>
+  <cs:trendlineLabel>
+    <cs:lnRef idx="0"/>
+    <cs:fillRef idx="0"/>
+    <cs:effectRef idx="0"/>
+    <cs:fontRef idx="minor">
+      <a:schemeClr val="tx1">
+        <a:lumMod val="65000"/>
+        <a:lumOff val="35000"/>
+      </a:schemeClr>
+    </cs:fontRef>
+    <cs:defRPr sz="1197" kern="1200"/>
+  </cs:trendlineLabel>
+  <cs:upBar>
+    <cs:lnRef idx="0"/>
+    <cs:fillRef idx="0"/>
+    <cs:effectRef idx="0"/>
+    <cs:fontRef idx="minor">
+      <a:schemeClr val="dk1"/>
+    </cs:fontRef>
+    <cs:spPr>
+      <a:solidFill>
+        <a:schemeClr val="lt1"/>
+      </a:solidFill>
+      <a:ln w="9525">
+        <a:solidFill>
+          <a:schemeClr val="tx1">
+            <a:lumMod val="15000"/>
+            <a:lumOff val="85000"/>
+          </a:schemeClr>
+        </a:solidFill>
+      </a:ln>
+    </cs:spPr>
+  </cs:upBar>
+  <cs:valueAxis>
+    <cs:lnRef idx="0"/>
+    <cs:fillRef idx="0"/>
+    <cs:effectRef idx="0"/>
+    <cs:fontRef idx="minor">
+      <a:schemeClr val="tx1">
+        <a:lumMod val="65000"/>
+        <a:lumOff val="35000"/>
+      </a:schemeClr>
+    </cs:fontRef>
+    <cs:defRPr sz="1197" kern="1200"/>
+  </cs:valueAxis>
+  <cs:wall>
+    <cs:lnRef idx="0"/>
+    <cs:fillRef idx="0"/>
+    <cs:effectRef idx="0"/>
+    <cs:fontRef idx="minor">
+      <a:schemeClr val="tx1"/>
+    </cs:fontRef>
+    <cs:spPr>
+      <a:noFill/>
+      <a:ln>
+        <a:noFill/>
+      </a:ln>
+    </cs:spPr>
   </cs:wall>
 </cs:chartStyle>
 </file>
@@ -10989,58 +11072,130 @@
           <a:chExt cx="0" cy="0"/>
         </a:xfrm>
       </p:grpSpPr>
+      <p:pic>
+        <p:nvPicPr>
+          <p:cNvPr id="2" name="Grafik 1"/>
+          <p:cNvPicPr>
+            <a:picLocks noChangeAspect="1"/>
+          </p:cNvPicPr>
+          <p:nvPr/>
+        </p:nvPicPr>
+        <p:blipFill>
+          <a:blip r:embed="rId2"/>
+          <a:stretch>
+            <a:fillRect/>
+          </a:stretch>
+        </p:blipFill>
+        <p:spPr>
+          <a:xfrm>
+            <a:off x="3930011" y="2202942"/>
+            <a:ext cx="5905500" cy="3238500"/>
+          </a:xfrm>
+          <a:prstGeom prst="rect">
+            <a:avLst/>
+          </a:prstGeom>
+        </p:spPr>
+      </p:pic>
       <p:sp>
         <p:nvSpPr>
-          <p:cNvPr id="2" name="Titel 1"/>
-          <p:cNvSpPr>
-            <a:spLocks noGrp="1"/>
-          </p:cNvSpPr>
-          <p:nvPr>
-            <p:ph type="title"/>
-          </p:nvPr>
+          <p:cNvPr id="5" name="Rechteck 4"/>
+          <p:cNvSpPr/>
+          <p:nvPr/>
         </p:nvSpPr>
-        <p:spPr/>
+        <p:spPr>
+          <a:xfrm>
+            <a:off x="800099" y="-4764"/>
+            <a:ext cx="3333749" cy="2395037"/>
+          </a:xfrm>
+          <a:prstGeom prst="rect">
+            <a:avLst/>
+          </a:prstGeom>
+        </p:spPr>
+        <p:style>
+          <a:lnRef idx="2">
+            <a:schemeClr val="dk1">
+              <a:shade val="50000"/>
+            </a:schemeClr>
+          </a:lnRef>
+          <a:fillRef idx="1">
+            <a:schemeClr val="dk1"/>
+          </a:fillRef>
+          <a:effectRef idx="0">
+            <a:schemeClr val="dk1"/>
+          </a:effectRef>
+          <a:fontRef idx="minor">
+            <a:schemeClr val="lt1"/>
+          </a:fontRef>
+        </p:style>
         <p:txBody>
-          <a:bodyPr/>
+          <a:bodyPr rtlCol="0" anchor="ctr"/>
           <a:lstStyle/>
           <a:p>
+            <a:pPr algn="ctr"/>
+            <a:endParaRPr lang="en-US" sz="3600" dirty="0">
+              <a:solidFill>
+                <a:schemeClr val="bg1"/>
+              </a:solidFill>
+            </a:endParaRPr>
+          </a:p>
+          <a:p>
+            <a:pPr algn="ctr"/>
             <a:r>
-              <a:rPr lang="de-DE" dirty="0" smtClean="0"/>
-              <a:t>Budget nach Standort</a:t>
+              <a:rPr lang="en-US" sz="3600" dirty="0" smtClean="0">
+                <a:solidFill>
+                  <a:schemeClr val="bg1"/>
+                </a:solidFill>
+              </a:rPr>
+              <a:t>Budget</a:t>
             </a:r>
             <a:endParaRPr lang="de-DE" dirty="0"/>
           </a:p>
         </p:txBody>
       </p:sp>
-      <p:graphicFrame>
-        <p:nvGraphicFramePr>
-          <p:cNvPr id="27" name="Inhaltsplatzhalter 26"/>
-          <p:cNvGraphicFramePr>
-            <a:graphicFrameLocks noGrp="1"/>
-          </p:cNvGraphicFramePr>
-          <p:nvPr>
-            <p:ph idx="1"/>
-            <p:extLst>
-              <p:ext uri="{D42A27DB-BD31-4B8C-83A1-F6EECF244321}">
-                <p14:modId xmlns:p14="http://schemas.microsoft.com/office/powerpoint/2010/main" val="2776181002"/>
-              </p:ext>
-            </p:extLst>
-          </p:nvPr>
-        </p:nvGraphicFramePr>
-        <p:xfrm>
-          <a:off x="838200" y="1825625"/>
-          <a:ext cx="10515600" cy="4351338"/>
-        </p:xfrm>
-        <a:graphic>
-          <a:graphicData uri="http://schemas.openxmlformats.org/drawingml/2006/chart">
-            <c:chart xmlns:c="http://schemas.openxmlformats.org/drawingml/2006/chart" xmlns:r="http://schemas.openxmlformats.org/officeDocument/2006/relationships" r:id="rId2"/>
-          </a:graphicData>
-        </a:graphic>
-      </p:graphicFrame>
+      <p:sp>
+        <p:nvSpPr>
+          <p:cNvPr id="6" name="Gleichschenkliges Dreieck 5"/>
+          <p:cNvSpPr/>
+          <p:nvPr/>
+        </p:nvSpPr>
+        <p:spPr>
+          <a:xfrm rot="10800000">
+            <a:off x="800097" y="2390272"/>
+            <a:ext cx="3333750" cy="673770"/>
+          </a:xfrm>
+          <a:prstGeom prst="triangle">
+            <a:avLst/>
+          </a:prstGeom>
+        </p:spPr>
+        <p:style>
+          <a:lnRef idx="2">
+            <a:schemeClr val="dk1">
+              <a:shade val="50000"/>
+            </a:schemeClr>
+          </a:lnRef>
+          <a:fillRef idx="1">
+            <a:schemeClr val="dk1"/>
+          </a:fillRef>
+          <a:effectRef idx="0">
+            <a:schemeClr val="dk1"/>
+          </a:effectRef>
+          <a:fontRef idx="minor">
+            <a:schemeClr val="lt1"/>
+          </a:fontRef>
+        </p:style>
+        <p:txBody>
+          <a:bodyPr rtlCol="0" anchor="ctr"/>
+          <a:lstStyle/>
+          <a:p>
+            <a:pPr algn="ctr"/>
+            <a:endParaRPr lang="de-DE"/>
+          </a:p>
+        </p:txBody>
+      </p:sp>
     </p:spTree>
     <p:extLst>
       <p:ext uri="{BB962C8B-B14F-4D97-AF65-F5344CB8AC3E}">
-        <p14:creationId xmlns:p14="http://schemas.microsoft.com/office/powerpoint/2010/main" val="758896355"/>
+        <p14:creationId xmlns:p14="http://schemas.microsoft.com/office/powerpoint/2010/main" val="84624989"/>
       </p:ext>
     </p:extLst>
   </p:cSld>
@@ -11084,7 +11239,7 @@
           <a:p>
             <a:r>
               <a:rPr lang="de-DE" dirty="0" smtClean="0"/>
-              <a:t>Budget nach Projekt</a:t>
+              <a:t>Kapitalwert</a:t>
             </a:r>
             <a:endParaRPr lang="de-DE" dirty="0"/>
           </a:p>
@@ -11092,7 +11247,7 @@
       </p:sp>
       <p:graphicFrame>
         <p:nvGraphicFramePr>
-          <p:cNvPr id="14" name="Inhaltsplatzhalter 13"/>
+          <p:cNvPr id="6" name="Inhaltsplatzhalter 5"/>
           <p:cNvGraphicFramePr>
             <a:graphicFrameLocks noGrp="1"/>
           </p:cNvGraphicFramePr>
@@ -11100,7 +11255,7 @@
             <p:ph idx="1"/>
             <p:extLst>
               <p:ext uri="{D42A27DB-BD31-4B8C-83A1-F6EECF244321}">
-                <p14:modId xmlns:p14="http://schemas.microsoft.com/office/powerpoint/2010/main" val="2627693882"/>
+                <p14:modId xmlns:p14="http://schemas.microsoft.com/office/powerpoint/2010/main" val="1090580430"/>
               </p:ext>
             </p:extLst>
           </p:nvPr>
@@ -11118,7 +11273,7 @@
     </p:spTree>
     <p:extLst>
       <p:ext uri="{BB962C8B-B14F-4D97-AF65-F5344CB8AC3E}">
-        <p14:creationId xmlns:p14="http://schemas.microsoft.com/office/powerpoint/2010/main" val="198172203"/>
+        <p14:creationId xmlns:p14="http://schemas.microsoft.com/office/powerpoint/2010/main" val="996693656"/>
       </p:ext>
     </p:extLst>
   </p:cSld>
@@ -11170,7 +11325,7 @@
       </p:sp>
       <p:graphicFrame>
         <p:nvGraphicFramePr>
-          <p:cNvPr id="6" name="Inhaltsplatzhalter 5"/>
+          <p:cNvPr id="13" name="Inhaltsplatzhalter 12"/>
           <p:cNvGraphicFramePr>
             <a:graphicFrameLocks noGrp="1"/>
           </p:cNvGraphicFramePr>
@@ -11178,7 +11333,7 @@
             <p:ph idx="1"/>
             <p:extLst>
               <p:ext uri="{D42A27DB-BD31-4B8C-83A1-F6EECF244321}">
-                <p14:modId xmlns:p14="http://schemas.microsoft.com/office/powerpoint/2010/main" val="1090580430"/>
+                <p14:modId xmlns:p14="http://schemas.microsoft.com/office/powerpoint/2010/main" val="814642161"/>
               </p:ext>
             </p:extLst>
           </p:nvPr>
@@ -11196,7 +11351,7 @@
     </p:spTree>
     <p:extLst>
       <p:ext uri="{BB962C8B-B14F-4D97-AF65-F5344CB8AC3E}">
-        <p14:creationId xmlns:p14="http://schemas.microsoft.com/office/powerpoint/2010/main" val="996693656"/>
+        <p14:creationId xmlns:p14="http://schemas.microsoft.com/office/powerpoint/2010/main" val="2892976041"/>
       </p:ext>
     </p:extLst>
   </p:cSld>
@@ -11848,7 +12003,7 @@
             <p:ph idx="1"/>
             <p:extLst>
               <p:ext uri="{D42A27DB-BD31-4B8C-83A1-F6EECF244321}">
-                <p14:modId xmlns:p14="http://schemas.microsoft.com/office/powerpoint/2010/main" val="586389237"/>
+                <p14:modId xmlns:p14="http://schemas.microsoft.com/office/powerpoint/2010/main" val="3622484688"/>
               </p:ext>
             </p:extLst>
           </p:nvPr>
@@ -11910,7 +12065,7 @@
           <a:p>
             <a:r>
               <a:rPr lang="de-DE" dirty="0" smtClean="0"/>
-              <a:t>Abgeschlossene Projekte nach Standort</a:t>
+              <a:t>Projekte nach Standort (Option 1)</a:t>
             </a:r>
             <a:endParaRPr lang="de-DE" dirty="0"/>
           </a:p>
@@ -11918,7 +12073,7 @@
       </p:sp>
       <p:graphicFrame>
         <p:nvGraphicFramePr>
-          <p:cNvPr id="9" name="Inhaltsplatzhalter 8"/>
+          <p:cNvPr id="14" name="Inhaltsplatzhalter 13"/>
           <p:cNvGraphicFramePr>
             <a:graphicFrameLocks noGrp="1"/>
           </p:cNvGraphicFramePr>
@@ -11926,7 +12081,7 @@
             <p:ph idx="1"/>
             <p:extLst>
               <p:ext uri="{D42A27DB-BD31-4B8C-83A1-F6EECF244321}">
-                <p14:modId xmlns:p14="http://schemas.microsoft.com/office/powerpoint/2010/main" val="1522023389"/>
+                <p14:modId xmlns:p14="http://schemas.microsoft.com/office/powerpoint/2010/main" val="2504092584"/>
               </p:ext>
             </p:extLst>
           </p:nvPr>
@@ -11944,7 +12099,7 @@
     </p:spTree>
     <p:extLst>
       <p:ext uri="{BB962C8B-B14F-4D97-AF65-F5344CB8AC3E}">
-        <p14:creationId xmlns:p14="http://schemas.microsoft.com/office/powerpoint/2010/main" val="3670736341"/>
+        <p14:creationId xmlns:p14="http://schemas.microsoft.com/office/powerpoint/2010/main" val="4202130657"/>
       </p:ext>
     </p:extLst>
   </p:cSld>
@@ -11971,130 +12126,58 @@
           <a:chExt cx="0" cy="0"/>
         </a:xfrm>
       </p:grpSpPr>
-      <p:pic>
-        <p:nvPicPr>
-          <p:cNvPr id="2" name="Grafik 1"/>
-          <p:cNvPicPr>
-            <a:picLocks noChangeAspect="1"/>
-          </p:cNvPicPr>
-          <p:nvPr/>
-        </p:nvPicPr>
-        <p:blipFill>
-          <a:blip r:embed="rId2"/>
-          <a:stretch>
-            <a:fillRect/>
-          </a:stretch>
-        </p:blipFill>
-        <p:spPr>
-          <a:xfrm>
-            <a:off x="3930011" y="2202942"/>
-            <a:ext cx="5905500" cy="3238500"/>
-          </a:xfrm>
-          <a:prstGeom prst="rect">
-            <a:avLst/>
-          </a:prstGeom>
-        </p:spPr>
-      </p:pic>
       <p:sp>
         <p:nvSpPr>
-          <p:cNvPr id="5" name="Rechteck 4"/>
-          <p:cNvSpPr/>
-          <p:nvPr/>
+          <p:cNvPr id="2" name="Titel 1"/>
+          <p:cNvSpPr>
+            <a:spLocks noGrp="1"/>
+          </p:cNvSpPr>
+          <p:nvPr>
+            <p:ph type="title"/>
+          </p:nvPr>
         </p:nvSpPr>
-        <p:spPr>
-          <a:xfrm>
-            <a:off x="800099" y="-4764"/>
-            <a:ext cx="3333749" cy="2395037"/>
-          </a:xfrm>
-          <a:prstGeom prst="rect">
-            <a:avLst/>
-          </a:prstGeom>
-        </p:spPr>
-        <p:style>
-          <a:lnRef idx="2">
-            <a:schemeClr val="dk1">
-              <a:shade val="50000"/>
-            </a:schemeClr>
-          </a:lnRef>
-          <a:fillRef idx="1">
-            <a:schemeClr val="dk1"/>
-          </a:fillRef>
-          <a:effectRef idx="0">
-            <a:schemeClr val="dk1"/>
-          </a:effectRef>
-          <a:fontRef idx="minor">
-            <a:schemeClr val="lt1"/>
-          </a:fontRef>
-        </p:style>
+        <p:spPr/>
         <p:txBody>
-          <a:bodyPr rtlCol="0" anchor="ctr"/>
+          <a:bodyPr/>
           <a:lstStyle/>
           <a:p>
-            <a:pPr algn="ctr"/>
-            <a:endParaRPr lang="en-US" sz="3600" dirty="0">
-              <a:solidFill>
-                <a:schemeClr val="bg1"/>
-              </a:solidFill>
-            </a:endParaRPr>
-          </a:p>
-          <a:p>
-            <a:pPr algn="ctr"/>
             <a:r>
-              <a:rPr lang="en-US" sz="3600" dirty="0" smtClean="0">
-                <a:solidFill>
-                  <a:schemeClr val="bg1"/>
-                </a:solidFill>
-              </a:rPr>
-              <a:t>Budget</a:t>
+              <a:rPr lang="de-DE" dirty="0" smtClean="0"/>
+              <a:t>Projekte nach Standort (Option 2)</a:t>
             </a:r>
             <a:endParaRPr lang="de-DE" dirty="0"/>
           </a:p>
         </p:txBody>
       </p:sp>
-      <p:sp>
-        <p:nvSpPr>
-          <p:cNvPr id="6" name="Gleichschenkliges Dreieck 5"/>
-          <p:cNvSpPr/>
-          <p:nvPr/>
-        </p:nvSpPr>
-        <p:spPr>
-          <a:xfrm rot="10800000">
-            <a:off x="800097" y="2390272"/>
-            <a:ext cx="3333750" cy="673770"/>
-          </a:xfrm>
-          <a:prstGeom prst="triangle">
-            <a:avLst/>
-          </a:prstGeom>
-        </p:spPr>
-        <p:style>
-          <a:lnRef idx="2">
-            <a:schemeClr val="dk1">
-              <a:shade val="50000"/>
-            </a:schemeClr>
-          </a:lnRef>
-          <a:fillRef idx="1">
-            <a:schemeClr val="dk1"/>
-          </a:fillRef>
-          <a:effectRef idx="0">
-            <a:schemeClr val="dk1"/>
-          </a:effectRef>
-          <a:fontRef idx="minor">
-            <a:schemeClr val="lt1"/>
-          </a:fontRef>
-        </p:style>
-        <p:txBody>
-          <a:bodyPr rtlCol="0" anchor="ctr"/>
-          <a:lstStyle/>
-          <a:p>
-            <a:pPr algn="ctr"/>
-            <a:endParaRPr lang="de-DE"/>
-          </a:p>
-        </p:txBody>
-      </p:sp>
+      <p:graphicFrame>
+        <p:nvGraphicFramePr>
+          <p:cNvPr id="16" name="Inhaltsplatzhalter 15"/>
+          <p:cNvGraphicFramePr>
+            <a:graphicFrameLocks noGrp="1"/>
+          </p:cNvGraphicFramePr>
+          <p:nvPr>
+            <p:ph idx="1"/>
+            <p:extLst>
+              <p:ext uri="{D42A27DB-BD31-4B8C-83A1-F6EECF244321}">
+                <p14:modId xmlns:p14="http://schemas.microsoft.com/office/powerpoint/2010/main" val="3021446714"/>
+              </p:ext>
+            </p:extLst>
+          </p:nvPr>
+        </p:nvGraphicFramePr>
+        <p:xfrm>
+          <a:off x="838200" y="1825625"/>
+          <a:ext cx="10515600" cy="4351338"/>
+        </p:xfrm>
+        <a:graphic>
+          <a:graphicData uri="http://schemas.openxmlformats.org/drawingml/2006/chart">
+            <c:chart xmlns:c="http://schemas.openxmlformats.org/drawingml/2006/chart" xmlns:r="http://schemas.openxmlformats.org/officeDocument/2006/relationships" r:id="rId2"/>
+          </a:graphicData>
+        </a:graphic>
+      </p:graphicFrame>
     </p:spTree>
     <p:extLst>
       <p:ext uri="{BB962C8B-B14F-4D97-AF65-F5344CB8AC3E}">
-        <p14:creationId xmlns:p14="http://schemas.microsoft.com/office/powerpoint/2010/main" val="84624989"/>
+        <p14:creationId xmlns:p14="http://schemas.microsoft.com/office/powerpoint/2010/main" val="3433911328"/>
       </p:ext>
     </p:extLst>
   </p:cSld>
